--- a/Mentoring Session Team 23 W1.pptx
+++ b/Mentoring Session Team 23 W1.pptx
@@ -2,19 +2,20 @@
 <file path=ppt/presentation.xml><?xml version="1.0" encoding="utf-8"?>
 <p:presentation xmlns:a="http://schemas.openxmlformats.org/drawingml/2006/main" xmlns:r="http://schemas.openxmlformats.org/officeDocument/2006/relationships" xmlns:p="http://schemas.openxmlformats.org/presentationml/2006/main" saveSubsetFonts="1">
   <p:sldMasterIdLst>
-    <p:sldMasterId id="2147483660" r:id="rId1"/>
+    <p:sldMasterId id="2147483696" r:id="rId1"/>
   </p:sldMasterIdLst>
   <p:sldIdLst>
     <p:sldId id="256" r:id="rId2"/>
+    <p:sldId id="257" r:id="rId3"/>
   </p:sldIdLst>
-  <p:sldSz cx="15544800" cy="9144000"/>
+  <p:sldSz cx="27000200" cy="9144000"/>
   <p:notesSz cx="6858000" cy="9144000"/>
   <p:defaultTextStyle>
     <a:defPPr>
       <a:defRPr lang="en-US"/>
     </a:defPPr>
-    <a:lvl1pPr marL="0" algn="l" defTabSz="1184867" rtl="0" eaLnBrk="1" latinLnBrk="0" hangingPunct="1">
-      <a:defRPr sz="2332" kern="1200">
+    <a:lvl1pPr marL="0" algn="l" defTabSz="457200" rtl="0" eaLnBrk="1" latinLnBrk="0" hangingPunct="1">
+      <a:defRPr sz="1800" kern="1200">
         <a:solidFill>
           <a:schemeClr val="tx1"/>
         </a:solidFill>
@@ -23,8 +24,8 @@
         <a:cs typeface="+mn-cs"/>
       </a:defRPr>
     </a:lvl1pPr>
-    <a:lvl2pPr marL="592431" algn="l" defTabSz="1184867" rtl="0" eaLnBrk="1" latinLnBrk="0" hangingPunct="1">
-      <a:defRPr sz="2332" kern="1200">
+    <a:lvl2pPr marL="457200" algn="l" defTabSz="457200" rtl="0" eaLnBrk="1" latinLnBrk="0" hangingPunct="1">
+      <a:defRPr sz="1800" kern="1200">
         <a:solidFill>
           <a:schemeClr val="tx1"/>
         </a:solidFill>
@@ -33,8 +34,8 @@
         <a:cs typeface="+mn-cs"/>
       </a:defRPr>
     </a:lvl2pPr>
-    <a:lvl3pPr marL="1184867" algn="l" defTabSz="1184867" rtl="0" eaLnBrk="1" latinLnBrk="0" hangingPunct="1">
-      <a:defRPr sz="2332" kern="1200">
+    <a:lvl3pPr marL="914400" algn="l" defTabSz="457200" rtl="0" eaLnBrk="1" latinLnBrk="0" hangingPunct="1">
+      <a:defRPr sz="1800" kern="1200">
         <a:solidFill>
           <a:schemeClr val="tx1"/>
         </a:solidFill>
@@ -43,8 +44,8 @@
         <a:cs typeface="+mn-cs"/>
       </a:defRPr>
     </a:lvl3pPr>
-    <a:lvl4pPr marL="1777298" algn="l" defTabSz="1184867" rtl="0" eaLnBrk="1" latinLnBrk="0" hangingPunct="1">
-      <a:defRPr sz="2332" kern="1200">
+    <a:lvl4pPr marL="1371600" algn="l" defTabSz="457200" rtl="0" eaLnBrk="1" latinLnBrk="0" hangingPunct="1">
+      <a:defRPr sz="1800" kern="1200">
         <a:solidFill>
           <a:schemeClr val="tx1"/>
         </a:solidFill>
@@ -53,8 +54,8 @@
         <a:cs typeface="+mn-cs"/>
       </a:defRPr>
     </a:lvl4pPr>
-    <a:lvl5pPr marL="2369730" algn="l" defTabSz="1184867" rtl="0" eaLnBrk="1" latinLnBrk="0" hangingPunct="1">
-      <a:defRPr sz="2332" kern="1200">
+    <a:lvl5pPr marL="1828800" algn="l" defTabSz="457200" rtl="0" eaLnBrk="1" latinLnBrk="0" hangingPunct="1">
+      <a:defRPr sz="1800" kern="1200">
         <a:solidFill>
           <a:schemeClr val="tx1"/>
         </a:solidFill>
@@ -63,8 +64,8 @@
         <a:cs typeface="+mn-cs"/>
       </a:defRPr>
     </a:lvl5pPr>
-    <a:lvl6pPr marL="2962164" algn="l" defTabSz="1184867" rtl="0" eaLnBrk="1" latinLnBrk="0" hangingPunct="1">
-      <a:defRPr sz="2332" kern="1200">
+    <a:lvl6pPr marL="2286000" algn="l" defTabSz="457200" rtl="0" eaLnBrk="1" latinLnBrk="0" hangingPunct="1">
+      <a:defRPr sz="1800" kern="1200">
         <a:solidFill>
           <a:schemeClr val="tx1"/>
         </a:solidFill>
@@ -73,8 +74,8 @@
         <a:cs typeface="+mn-cs"/>
       </a:defRPr>
     </a:lvl6pPr>
-    <a:lvl7pPr marL="3554595" algn="l" defTabSz="1184867" rtl="0" eaLnBrk="1" latinLnBrk="0" hangingPunct="1">
-      <a:defRPr sz="2332" kern="1200">
+    <a:lvl7pPr marL="2743200" algn="l" defTabSz="457200" rtl="0" eaLnBrk="1" latinLnBrk="0" hangingPunct="1">
+      <a:defRPr sz="1800" kern="1200">
         <a:solidFill>
           <a:schemeClr val="tx1"/>
         </a:solidFill>
@@ -83,8 +84,8 @@
         <a:cs typeface="+mn-cs"/>
       </a:defRPr>
     </a:lvl7pPr>
-    <a:lvl8pPr marL="4147028" algn="l" defTabSz="1184867" rtl="0" eaLnBrk="1" latinLnBrk="0" hangingPunct="1">
-      <a:defRPr sz="2332" kern="1200">
+    <a:lvl8pPr marL="3200400" algn="l" defTabSz="457200" rtl="0" eaLnBrk="1" latinLnBrk="0" hangingPunct="1">
+      <a:defRPr sz="1800" kern="1200">
         <a:solidFill>
           <a:schemeClr val="tx1"/>
         </a:solidFill>
@@ -93,8 +94,8 @@
         <a:cs typeface="+mn-cs"/>
       </a:defRPr>
     </a:lvl8pPr>
-    <a:lvl9pPr marL="4739462" algn="l" defTabSz="1184867" rtl="0" eaLnBrk="1" latinLnBrk="0" hangingPunct="1">
-      <a:defRPr sz="2332" kern="1200">
+    <a:lvl9pPr marL="3657600" algn="l" defTabSz="457200" rtl="0" eaLnBrk="1" latinLnBrk="0" hangingPunct="1">
+      <a:defRPr sz="1800" kern="1200">
         <a:solidFill>
           <a:schemeClr val="tx1"/>
         </a:solidFill>
@@ -104,6 +105,11 @@
       </a:defRPr>
     </a:lvl9pPr>
   </p:defaultTextStyle>
+  <p:extLst>
+    <p:ext uri="{EFAFB233-063F-42B5-8137-9DF3F51BA10A}">
+      <p15:sldGuideLst xmlns:p15="http://schemas.microsoft.com/office/powerpoint/2012/main"/>
+    </p:ext>
+  </p:extLst>
 </p:presentation>
 </file>
 
@@ -136,20 +142,20 @@
         </p:nvSpPr>
         <p:spPr>
           <a:xfrm>
-            <a:off x="1943100" y="1496484"/>
-            <a:ext cx="11658600" cy="3183467"/>
+            <a:off x="3375025" y="1496484"/>
+            <a:ext cx="20250150" cy="3183467"/>
           </a:xfrm>
         </p:spPr>
         <p:txBody>
           <a:bodyPr anchor="b"/>
           <a:lstStyle>
             <a:lvl1pPr algn="ctr">
-              <a:defRPr sz="7650"/>
+              <a:defRPr sz="8000"/>
             </a:lvl1pPr>
           </a:lstStyle>
           <a:p>
             <a:r>
-              <a:rPr lang="en-US" smtClean="0"/>
+              <a:rPr lang="en-US"/>
               <a:t>Click to edit Master title style</a:t>
             </a:r>
             <a:endParaRPr lang="en-US" dirty="0"/>
@@ -168,8 +174,8 @@
         </p:nvSpPr>
         <p:spPr>
           <a:xfrm>
-            <a:off x="1943100" y="4802717"/>
-            <a:ext cx="11658600" cy="2207683"/>
+            <a:off x="3375025" y="4802717"/>
+            <a:ext cx="20250150" cy="2207683"/>
           </a:xfrm>
         </p:spPr>
         <p:txBody>
@@ -177,44 +183,44 @@
           <a:lstStyle>
             <a:lvl1pPr marL="0" indent="0" algn="ctr">
               <a:buNone/>
-              <a:defRPr sz="3060"/>
+              <a:defRPr sz="3200"/>
             </a:lvl1pPr>
-            <a:lvl2pPr marL="582930" indent="0" algn="ctr">
-              <a:buNone/>
-              <a:defRPr sz="2550"/>
+            <a:lvl2pPr marL="609585" indent="0" algn="ctr">
+              <a:buNone/>
+              <a:defRPr sz="2667"/>
             </a:lvl2pPr>
-            <a:lvl3pPr marL="1165860" indent="0" algn="ctr">
-              <a:buNone/>
-              <a:defRPr sz="2295"/>
+            <a:lvl3pPr marL="1219170" indent="0" algn="ctr">
+              <a:buNone/>
+              <a:defRPr sz="2400"/>
             </a:lvl3pPr>
-            <a:lvl4pPr marL="1748790" indent="0" algn="ctr">
-              <a:buNone/>
-              <a:defRPr sz="2040"/>
+            <a:lvl4pPr marL="1828754" indent="0" algn="ctr">
+              <a:buNone/>
+              <a:defRPr sz="2133"/>
             </a:lvl4pPr>
-            <a:lvl5pPr marL="2331720" indent="0" algn="ctr">
-              <a:buNone/>
-              <a:defRPr sz="2040"/>
+            <a:lvl5pPr marL="2438339" indent="0" algn="ctr">
+              <a:buNone/>
+              <a:defRPr sz="2133"/>
             </a:lvl5pPr>
-            <a:lvl6pPr marL="2914650" indent="0" algn="ctr">
-              <a:buNone/>
-              <a:defRPr sz="2040"/>
+            <a:lvl6pPr marL="3047924" indent="0" algn="ctr">
+              <a:buNone/>
+              <a:defRPr sz="2133"/>
             </a:lvl6pPr>
-            <a:lvl7pPr marL="3497580" indent="0" algn="ctr">
-              <a:buNone/>
-              <a:defRPr sz="2040"/>
+            <a:lvl7pPr marL="3657509" indent="0" algn="ctr">
+              <a:buNone/>
+              <a:defRPr sz="2133"/>
             </a:lvl7pPr>
-            <a:lvl8pPr marL="4080510" indent="0" algn="ctr">
-              <a:buNone/>
-              <a:defRPr sz="2040"/>
+            <a:lvl8pPr marL="4267093" indent="0" algn="ctr">
+              <a:buNone/>
+              <a:defRPr sz="2133"/>
             </a:lvl8pPr>
-            <a:lvl9pPr marL="4663440" indent="0" algn="ctr">
-              <a:buNone/>
-              <a:defRPr sz="2040"/>
+            <a:lvl9pPr marL="4876678" indent="0" algn="ctr">
+              <a:buNone/>
+              <a:defRPr sz="2133"/>
             </a:lvl9pPr>
           </a:lstStyle>
           <a:p>
             <a:r>
-              <a:rPr lang="en-US" smtClean="0"/>
+              <a:rPr lang="en-US"/>
               <a:t>Click to edit Master subtitle style</a:t>
             </a:r>
             <a:endParaRPr lang="en-US" dirty="0"/>
@@ -238,7 +244,7 @@
           <a:p>
             <a:fld id="{74C08832-68F8-4290-A751-81EACF64CDAF}" type="datetimeFigureOut">
               <a:rPr lang="en-US" smtClean="0"/>
-              <a:t>2/22/2024</a:t>
+              <a:t>3/4/2024</a:t>
             </a:fld>
             <a:endParaRPr lang="en-US"/>
           </a:p>
@@ -289,7 +295,7 @@
     </p:spTree>
     <p:extLst>
       <p:ext uri="{BB962C8B-B14F-4D97-AF65-F5344CB8AC3E}">
-        <p14:creationId xmlns:p14="http://schemas.microsoft.com/office/powerpoint/2010/main" val="516708836"/>
+        <p14:creationId xmlns:p14="http://schemas.microsoft.com/office/powerpoint/2010/main" val="1891007087"/>
       </p:ext>
     </p:extLst>
   </p:cSld>
@@ -332,7 +338,7 @@
           <a:lstStyle/>
           <a:p>
             <a:r>
-              <a:rPr lang="en-US" smtClean="0"/>
+              <a:rPr lang="en-US"/>
               <a:t>Click to edit Master title style</a:t>
             </a:r>
             <a:endParaRPr lang="en-US" dirty="0"/>
@@ -356,35 +362,35 @@
           <a:p>
             <a:pPr lvl="0"/>
             <a:r>
-              <a:rPr lang="en-US" smtClean="0"/>
+              <a:rPr lang="en-US"/>
               <a:t>Click to edit Master text styles</a:t>
             </a:r>
           </a:p>
           <a:p>
             <a:pPr lvl="1"/>
             <a:r>
-              <a:rPr lang="en-US" smtClean="0"/>
+              <a:rPr lang="en-US"/>
               <a:t>Second level</a:t>
             </a:r>
           </a:p>
           <a:p>
             <a:pPr lvl="2"/>
             <a:r>
-              <a:rPr lang="en-US" smtClean="0"/>
+              <a:rPr lang="en-US"/>
               <a:t>Third level</a:t>
             </a:r>
           </a:p>
           <a:p>
             <a:pPr lvl="3"/>
             <a:r>
-              <a:rPr lang="en-US" smtClean="0"/>
+              <a:rPr lang="en-US"/>
               <a:t>Fourth level</a:t>
             </a:r>
           </a:p>
           <a:p>
             <a:pPr lvl="4"/>
             <a:r>
-              <a:rPr lang="en-US" smtClean="0"/>
+              <a:rPr lang="en-US"/>
               <a:t>Fifth level</a:t>
             </a:r>
             <a:endParaRPr lang="en-US" dirty="0"/>
@@ -408,7 +414,7 @@
           <a:p>
             <a:fld id="{74C08832-68F8-4290-A751-81EACF64CDAF}" type="datetimeFigureOut">
               <a:rPr lang="en-US" smtClean="0"/>
-              <a:t>2/22/2024</a:t>
+              <a:t>3/4/2024</a:t>
             </a:fld>
             <a:endParaRPr lang="en-US"/>
           </a:p>
@@ -459,7 +465,7 @@
     </p:spTree>
     <p:extLst>
       <p:ext uri="{BB962C8B-B14F-4D97-AF65-F5344CB8AC3E}">
-        <p14:creationId xmlns:p14="http://schemas.microsoft.com/office/powerpoint/2010/main" val="1586181374"/>
+        <p14:creationId xmlns:p14="http://schemas.microsoft.com/office/powerpoint/2010/main" val="3475726790"/>
       </p:ext>
     </p:extLst>
   </p:cSld>
@@ -498,8 +504,8 @@
         </p:nvSpPr>
         <p:spPr>
           <a:xfrm>
-            <a:off x="11124247" y="486834"/>
-            <a:ext cx="3351848" cy="7749117"/>
+            <a:off x="19322018" y="486834"/>
+            <a:ext cx="5821918" cy="7749117"/>
           </a:xfrm>
         </p:spPr>
         <p:txBody>
@@ -507,7 +513,7 @@
           <a:lstStyle/>
           <a:p>
             <a:r>
-              <a:rPr lang="en-US" smtClean="0"/>
+              <a:rPr lang="en-US"/>
               <a:t>Click to edit Master title style</a:t>
             </a:r>
             <a:endParaRPr lang="en-US" dirty="0"/>
@@ -526,8 +532,8 @@
         </p:nvSpPr>
         <p:spPr>
           <a:xfrm>
-            <a:off x="1068705" y="486834"/>
-            <a:ext cx="9861233" cy="7749117"/>
+            <a:off x="1856264" y="486834"/>
+            <a:ext cx="17128252" cy="7749117"/>
           </a:xfrm>
         </p:spPr>
         <p:txBody>
@@ -536,35 +542,35 @@
           <a:p>
             <a:pPr lvl="0"/>
             <a:r>
-              <a:rPr lang="en-US" smtClean="0"/>
+              <a:rPr lang="en-US"/>
               <a:t>Click to edit Master text styles</a:t>
             </a:r>
           </a:p>
           <a:p>
             <a:pPr lvl="1"/>
             <a:r>
-              <a:rPr lang="en-US" smtClean="0"/>
+              <a:rPr lang="en-US"/>
               <a:t>Second level</a:t>
             </a:r>
           </a:p>
           <a:p>
             <a:pPr lvl="2"/>
             <a:r>
-              <a:rPr lang="en-US" smtClean="0"/>
+              <a:rPr lang="en-US"/>
               <a:t>Third level</a:t>
             </a:r>
           </a:p>
           <a:p>
             <a:pPr lvl="3"/>
             <a:r>
-              <a:rPr lang="en-US" smtClean="0"/>
+              <a:rPr lang="en-US"/>
               <a:t>Fourth level</a:t>
             </a:r>
           </a:p>
           <a:p>
             <a:pPr lvl="4"/>
             <a:r>
-              <a:rPr lang="en-US" smtClean="0"/>
+              <a:rPr lang="en-US"/>
               <a:t>Fifth level</a:t>
             </a:r>
             <a:endParaRPr lang="en-US" dirty="0"/>
@@ -588,7 +594,7 @@
           <a:p>
             <a:fld id="{74C08832-68F8-4290-A751-81EACF64CDAF}" type="datetimeFigureOut">
               <a:rPr lang="en-US" smtClean="0"/>
-              <a:t>2/22/2024</a:t>
+              <a:t>3/4/2024</a:t>
             </a:fld>
             <a:endParaRPr lang="en-US"/>
           </a:p>
@@ -639,7 +645,7 @@
     </p:spTree>
     <p:extLst>
       <p:ext uri="{BB962C8B-B14F-4D97-AF65-F5344CB8AC3E}">
-        <p14:creationId xmlns:p14="http://schemas.microsoft.com/office/powerpoint/2010/main" val="809300646"/>
+        <p14:creationId xmlns:p14="http://schemas.microsoft.com/office/powerpoint/2010/main" val="203573089"/>
       </p:ext>
     </p:extLst>
   </p:cSld>
@@ -682,7 +688,7 @@
           <a:lstStyle/>
           <a:p>
             <a:r>
-              <a:rPr lang="en-US" smtClean="0"/>
+              <a:rPr lang="en-US"/>
               <a:t>Click to edit Master title style</a:t>
             </a:r>
             <a:endParaRPr lang="en-US" dirty="0"/>
@@ -706,35 +712,35 @@
           <a:p>
             <a:pPr lvl="0"/>
             <a:r>
-              <a:rPr lang="en-US" smtClean="0"/>
+              <a:rPr lang="en-US"/>
               <a:t>Click to edit Master text styles</a:t>
             </a:r>
           </a:p>
           <a:p>
             <a:pPr lvl="1"/>
             <a:r>
-              <a:rPr lang="en-US" smtClean="0"/>
+              <a:rPr lang="en-US"/>
               <a:t>Second level</a:t>
             </a:r>
           </a:p>
           <a:p>
             <a:pPr lvl="2"/>
             <a:r>
-              <a:rPr lang="en-US" smtClean="0"/>
+              <a:rPr lang="en-US"/>
               <a:t>Third level</a:t>
             </a:r>
           </a:p>
           <a:p>
             <a:pPr lvl="3"/>
             <a:r>
-              <a:rPr lang="en-US" smtClean="0"/>
+              <a:rPr lang="en-US"/>
               <a:t>Fourth level</a:t>
             </a:r>
           </a:p>
           <a:p>
             <a:pPr lvl="4"/>
             <a:r>
-              <a:rPr lang="en-US" smtClean="0"/>
+              <a:rPr lang="en-US"/>
               <a:t>Fifth level</a:t>
             </a:r>
             <a:endParaRPr lang="en-US" dirty="0"/>
@@ -758,7 +764,7 @@
           <a:p>
             <a:fld id="{74C08832-68F8-4290-A751-81EACF64CDAF}" type="datetimeFigureOut">
               <a:rPr lang="en-US" smtClean="0"/>
-              <a:t>2/22/2024</a:t>
+              <a:t>3/4/2024</a:t>
             </a:fld>
             <a:endParaRPr lang="en-US"/>
           </a:p>
@@ -809,7 +815,7 @@
     </p:spTree>
     <p:extLst>
       <p:ext uri="{BB962C8B-B14F-4D97-AF65-F5344CB8AC3E}">
-        <p14:creationId xmlns:p14="http://schemas.microsoft.com/office/powerpoint/2010/main" val="3195105674"/>
+        <p14:creationId xmlns:p14="http://schemas.microsoft.com/office/powerpoint/2010/main" val="2712138420"/>
       </p:ext>
     </p:extLst>
   </p:cSld>
@@ -848,20 +854,20 @@
         </p:nvSpPr>
         <p:spPr>
           <a:xfrm>
-            <a:off x="1060609" y="2279652"/>
-            <a:ext cx="13407390" cy="3803649"/>
+            <a:off x="1842201" y="2279652"/>
+            <a:ext cx="23287673" cy="3803649"/>
           </a:xfrm>
         </p:spPr>
         <p:txBody>
           <a:bodyPr anchor="b"/>
           <a:lstStyle>
             <a:lvl1pPr>
-              <a:defRPr sz="7650"/>
+              <a:defRPr sz="8000"/>
             </a:lvl1pPr>
           </a:lstStyle>
           <a:p>
             <a:r>
-              <a:rPr lang="en-US" smtClean="0"/>
+              <a:rPr lang="en-US"/>
               <a:t>Click to edit Master title style</a:t>
             </a:r>
             <a:endParaRPr lang="en-US" dirty="0"/>
@@ -880,8 +886,8 @@
         </p:nvSpPr>
         <p:spPr>
           <a:xfrm>
-            <a:off x="1060609" y="6119285"/>
-            <a:ext cx="13407390" cy="2000249"/>
+            <a:off x="1842201" y="6119285"/>
+            <a:ext cx="23287673" cy="2000249"/>
           </a:xfrm>
         </p:spPr>
         <p:txBody>
@@ -889,7 +895,7 @@
           <a:lstStyle>
             <a:lvl1pPr marL="0" indent="0">
               <a:buNone/>
-              <a:defRPr sz="3060">
+              <a:defRPr sz="3200">
                 <a:solidFill>
                   <a:schemeClr val="tx1">
                     <a:tint val="75000"/>
@@ -897,9 +903,9 @@
                 </a:solidFill>
               </a:defRPr>
             </a:lvl1pPr>
-            <a:lvl2pPr marL="582930" indent="0">
-              <a:buNone/>
-              <a:defRPr sz="2550">
+            <a:lvl2pPr marL="609585" indent="0">
+              <a:buNone/>
+              <a:defRPr sz="2667">
                 <a:solidFill>
                   <a:schemeClr val="tx1">
                     <a:tint val="75000"/>
@@ -907,9 +913,9 @@
                 </a:solidFill>
               </a:defRPr>
             </a:lvl2pPr>
-            <a:lvl3pPr marL="1165860" indent="0">
-              <a:buNone/>
-              <a:defRPr sz="2295">
+            <a:lvl3pPr marL="1219170" indent="0">
+              <a:buNone/>
+              <a:defRPr sz="2400">
                 <a:solidFill>
                   <a:schemeClr val="tx1">
                     <a:tint val="75000"/>
@@ -917,9 +923,9 @@
                 </a:solidFill>
               </a:defRPr>
             </a:lvl3pPr>
-            <a:lvl4pPr marL="1748790" indent="0">
-              <a:buNone/>
-              <a:defRPr sz="2040">
+            <a:lvl4pPr marL="1828754" indent="0">
+              <a:buNone/>
+              <a:defRPr sz="2133">
                 <a:solidFill>
                   <a:schemeClr val="tx1">
                     <a:tint val="75000"/>
@@ -927,9 +933,9 @@
                 </a:solidFill>
               </a:defRPr>
             </a:lvl4pPr>
-            <a:lvl5pPr marL="2331720" indent="0">
-              <a:buNone/>
-              <a:defRPr sz="2040">
+            <a:lvl5pPr marL="2438339" indent="0">
+              <a:buNone/>
+              <a:defRPr sz="2133">
                 <a:solidFill>
                   <a:schemeClr val="tx1">
                     <a:tint val="75000"/>
@@ -937,9 +943,9 @@
                 </a:solidFill>
               </a:defRPr>
             </a:lvl5pPr>
-            <a:lvl6pPr marL="2914650" indent="0">
-              <a:buNone/>
-              <a:defRPr sz="2040">
+            <a:lvl6pPr marL="3047924" indent="0">
+              <a:buNone/>
+              <a:defRPr sz="2133">
                 <a:solidFill>
                   <a:schemeClr val="tx1">
                     <a:tint val="75000"/>
@@ -947,9 +953,9 @@
                 </a:solidFill>
               </a:defRPr>
             </a:lvl6pPr>
-            <a:lvl7pPr marL="3497580" indent="0">
-              <a:buNone/>
-              <a:defRPr sz="2040">
+            <a:lvl7pPr marL="3657509" indent="0">
+              <a:buNone/>
+              <a:defRPr sz="2133">
                 <a:solidFill>
                   <a:schemeClr val="tx1">
                     <a:tint val="75000"/>
@@ -957,9 +963,9 @@
                 </a:solidFill>
               </a:defRPr>
             </a:lvl7pPr>
-            <a:lvl8pPr marL="4080510" indent="0">
-              <a:buNone/>
-              <a:defRPr sz="2040">
+            <a:lvl8pPr marL="4267093" indent="0">
+              <a:buNone/>
+              <a:defRPr sz="2133">
                 <a:solidFill>
                   <a:schemeClr val="tx1">
                     <a:tint val="75000"/>
@@ -967,9 +973,9 @@
                 </a:solidFill>
               </a:defRPr>
             </a:lvl8pPr>
-            <a:lvl9pPr marL="4663440" indent="0">
-              <a:buNone/>
-              <a:defRPr sz="2040">
+            <a:lvl9pPr marL="4876678" indent="0">
+              <a:buNone/>
+              <a:defRPr sz="2133">
                 <a:solidFill>
                   <a:schemeClr val="tx1">
                     <a:tint val="75000"/>
@@ -981,7 +987,7 @@
           <a:p>
             <a:pPr lvl="0"/>
             <a:r>
-              <a:rPr lang="en-US" smtClean="0"/>
+              <a:rPr lang="en-US"/>
               <a:t>Click to edit Master text styles</a:t>
             </a:r>
           </a:p>
@@ -1004,7 +1010,7 @@
           <a:p>
             <a:fld id="{74C08832-68F8-4290-A751-81EACF64CDAF}" type="datetimeFigureOut">
               <a:rPr lang="en-US" smtClean="0"/>
-              <a:t>2/22/2024</a:t>
+              <a:t>3/4/2024</a:t>
             </a:fld>
             <a:endParaRPr lang="en-US"/>
           </a:p>
@@ -1055,7 +1061,7 @@
     </p:spTree>
     <p:extLst>
       <p:ext uri="{BB962C8B-B14F-4D97-AF65-F5344CB8AC3E}">
-        <p14:creationId xmlns:p14="http://schemas.microsoft.com/office/powerpoint/2010/main" val="3560206840"/>
+        <p14:creationId xmlns:p14="http://schemas.microsoft.com/office/powerpoint/2010/main" val="3591326517"/>
       </p:ext>
     </p:extLst>
   </p:cSld>
@@ -1098,7 +1104,7 @@
           <a:lstStyle/>
           <a:p>
             <a:r>
-              <a:rPr lang="en-US" smtClean="0"/>
+              <a:rPr lang="en-US"/>
               <a:t>Click to edit Master title style</a:t>
             </a:r>
             <a:endParaRPr lang="en-US" dirty="0"/>
@@ -1117,8 +1123,8 @@
         </p:nvSpPr>
         <p:spPr>
           <a:xfrm>
-            <a:off x="1068705" y="2434167"/>
-            <a:ext cx="6606540" cy="5801784"/>
+            <a:off x="1856264" y="2434167"/>
+            <a:ext cx="11475085" cy="5801784"/>
           </a:xfrm>
         </p:spPr>
         <p:txBody>
@@ -1127,35 +1133,35 @@
           <a:p>
             <a:pPr lvl="0"/>
             <a:r>
-              <a:rPr lang="en-US" smtClean="0"/>
+              <a:rPr lang="en-US"/>
               <a:t>Click to edit Master text styles</a:t>
             </a:r>
           </a:p>
           <a:p>
             <a:pPr lvl="1"/>
             <a:r>
-              <a:rPr lang="en-US" smtClean="0"/>
+              <a:rPr lang="en-US"/>
               <a:t>Second level</a:t>
             </a:r>
           </a:p>
           <a:p>
             <a:pPr lvl="2"/>
             <a:r>
-              <a:rPr lang="en-US" smtClean="0"/>
+              <a:rPr lang="en-US"/>
               <a:t>Third level</a:t>
             </a:r>
           </a:p>
           <a:p>
             <a:pPr lvl="3"/>
             <a:r>
-              <a:rPr lang="en-US" smtClean="0"/>
+              <a:rPr lang="en-US"/>
               <a:t>Fourth level</a:t>
             </a:r>
           </a:p>
           <a:p>
             <a:pPr lvl="4"/>
             <a:r>
-              <a:rPr lang="en-US" smtClean="0"/>
+              <a:rPr lang="en-US"/>
               <a:t>Fifth level</a:t>
             </a:r>
             <a:endParaRPr lang="en-US" dirty="0"/>
@@ -1174,8 +1180,8 @@
         </p:nvSpPr>
         <p:spPr>
           <a:xfrm>
-            <a:off x="7869555" y="2434167"/>
-            <a:ext cx="6606540" cy="5801784"/>
+            <a:off x="13668851" y="2434167"/>
+            <a:ext cx="11475085" cy="5801784"/>
           </a:xfrm>
         </p:spPr>
         <p:txBody>
@@ -1184,35 +1190,35 @@
           <a:p>
             <a:pPr lvl="0"/>
             <a:r>
-              <a:rPr lang="en-US" smtClean="0"/>
+              <a:rPr lang="en-US"/>
               <a:t>Click to edit Master text styles</a:t>
             </a:r>
           </a:p>
           <a:p>
             <a:pPr lvl="1"/>
             <a:r>
-              <a:rPr lang="en-US" smtClean="0"/>
+              <a:rPr lang="en-US"/>
               <a:t>Second level</a:t>
             </a:r>
           </a:p>
           <a:p>
             <a:pPr lvl="2"/>
             <a:r>
-              <a:rPr lang="en-US" smtClean="0"/>
+              <a:rPr lang="en-US"/>
               <a:t>Third level</a:t>
             </a:r>
           </a:p>
           <a:p>
             <a:pPr lvl="3"/>
             <a:r>
-              <a:rPr lang="en-US" smtClean="0"/>
+              <a:rPr lang="en-US"/>
               <a:t>Fourth level</a:t>
             </a:r>
           </a:p>
           <a:p>
             <a:pPr lvl="4"/>
             <a:r>
-              <a:rPr lang="en-US" smtClean="0"/>
+              <a:rPr lang="en-US"/>
               <a:t>Fifth level</a:t>
             </a:r>
             <a:endParaRPr lang="en-US" dirty="0"/>
@@ -1236,7 +1242,7 @@
           <a:p>
             <a:fld id="{74C08832-68F8-4290-A751-81EACF64CDAF}" type="datetimeFigureOut">
               <a:rPr lang="en-US" smtClean="0"/>
-              <a:t>2/22/2024</a:t>
+              <a:t>3/4/2024</a:t>
             </a:fld>
             <a:endParaRPr lang="en-US"/>
           </a:p>
@@ -1287,7 +1293,7 @@
     </p:spTree>
     <p:extLst>
       <p:ext uri="{BB962C8B-B14F-4D97-AF65-F5344CB8AC3E}">
-        <p14:creationId xmlns:p14="http://schemas.microsoft.com/office/powerpoint/2010/main" val="1323476828"/>
+        <p14:creationId xmlns:p14="http://schemas.microsoft.com/office/powerpoint/2010/main" val="2406021908"/>
       </p:ext>
     </p:extLst>
   </p:cSld>
@@ -1326,8 +1332,8 @@
         </p:nvSpPr>
         <p:spPr>
           <a:xfrm>
-            <a:off x="1070730" y="486834"/>
-            <a:ext cx="13407390" cy="1767417"/>
+            <a:off x="1859780" y="486834"/>
+            <a:ext cx="23287673" cy="1767417"/>
           </a:xfrm>
         </p:spPr>
         <p:txBody>
@@ -1335,7 +1341,7 @@
           <a:lstStyle/>
           <a:p>
             <a:r>
-              <a:rPr lang="en-US" smtClean="0"/>
+              <a:rPr lang="en-US"/>
               <a:t>Click to edit Master title style</a:t>
             </a:r>
             <a:endParaRPr lang="en-US" dirty="0"/>
@@ -1354,8 +1360,8 @@
         </p:nvSpPr>
         <p:spPr>
           <a:xfrm>
-            <a:off x="1070731" y="2241551"/>
-            <a:ext cx="6576178" cy="1098549"/>
+            <a:off x="1859782" y="2241551"/>
+            <a:ext cx="11422349" cy="1098549"/>
           </a:xfrm>
         </p:spPr>
         <p:txBody>
@@ -1363,45 +1369,45 @@
           <a:lstStyle>
             <a:lvl1pPr marL="0" indent="0">
               <a:buNone/>
-              <a:defRPr sz="3060" b="1"/>
+              <a:defRPr sz="3200" b="1"/>
             </a:lvl1pPr>
-            <a:lvl2pPr marL="582930" indent="0">
-              <a:buNone/>
-              <a:defRPr sz="2550" b="1"/>
+            <a:lvl2pPr marL="609585" indent="0">
+              <a:buNone/>
+              <a:defRPr sz="2667" b="1"/>
             </a:lvl2pPr>
-            <a:lvl3pPr marL="1165860" indent="0">
-              <a:buNone/>
-              <a:defRPr sz="2295" b="1"/>
+            <a:lvl3pPr marL="1219170" indent="0">
+              <a:buNone/>
+              <a:defRPr sz="2400" b="1"/>
             </a:lvl3pPr>
-            <a:lvl4pPr marL="1748790" indent="0">
-              <a:buNone/>
-              <a:defRPr sz="2040" b="1"/>
+            <a:lvl4pPr marL="1828754" indent="0">
+              <a:buNone/>
+              <a:defRPr sz="2133" b="1"/>
             </a:lvl4pPr>
-            <a:lvl5pPr marL="2331720" indent="0">
-              <a:buNone/>
-              <a:defRPr sz="2040" b="1"/>
+            <a:lvl5pPr marL="2438339" indent="0">
+              <a:buNone/>
+              <a:defRPr sz="2133" b="1"/>
             </a:lvl5pPr>
-            <a:lvl6pPr marL="2914650" indent="0">
-              <a:buNone/>
-              <a:defRPr sz="2040" b="1"/>
+            <a:lvl6pPr marL="3047924" indent="0">
+              <a:buNone/>
+              <a:defRPr sz="2133" b="1"/>
             </a:lvl6pPr>
-            <a:lvl7pPr marL="3497580" indent="0">
-              <a:buNone/>
-              <a:defRPr sz="2040" b="1"/>
+            <a:lvl7pPr marL="3657509" indent="0">
+              <a:buNone/>
+              <a:defRPr sz="2133" b="1"/>
             </a:lvl7pPr>
-            <a:lvl8pPr marL="4080510" indent="0">
-              <a:buNone/>
-              <a:defRPr sz="2040" b="1"/>
+            <a:lvl8pPr marL="4267093" indent="0">
+              <a:buNone/>
+              <a:defRPr sz="2133" b="1"/>
             </a:lvl8pPr>
-            <a:lvl9pPr marL="4663440" indent="0">
-              <a:buNone/>
-              <a:defRPr sz="2040" b="1"/>
+            <a:lvl9pPr marL="4876678" indent="0">
+              <a:buNone/>
+              <a:defRPr sz="2133" b="1"/>
             </a:lvl9pPr>
           </a:lstStyle>
           <a:p>
             <a:pPr lvl="0"/>
             <a:r>
-              <a:rPr lang="en-US" smtClean="0"/>
+              <a:rPr lang="en-US"/>
               <a:t>Click to edit Master text styles</a:t>
             </a:r>
           </a:p>
@@ -1419,8 +1425,8 @@
         </p:nvSpPr>
         <p:spPr>
           <a:xfrm>
-            <a:off x="1070731" y="3340100"/>
-            <a:ext cx="6576178" cy="4912784"/>
+            <a:off x="1859782" y="3340100"/>
+            <a:ext cx="11422349" cy="4912784"/>
           </a:xfrm>
         </p:spPr>
         <p:txBody>
@@ -1429,35 +1435,35 @@
           <a:p>
             <a:pPr lvl="0"/>
             <a:r>
-              <a:rPr lang="en-US" smtClean="0"/>
+              <a:rPr lang="en-US"/>
               <a:t>Click to edit Master text styles</a:t>
             </a:r>
           </a:p>
           <a:p>
             <a:pPr lvl="1"/>
             <a:r>
-              <a:rPr lang="en-US" smtClean="0"/>
+              <a:rPr lang="en-US"/>
               <a:t>Second level</a:t>
             </a:r>
           </a:p>
           <a:p>
             <a:pPr lvl="2"/>
             <a:r>
-              <a:rPr lang="en-US" smtClean="0"/>
+              <a:rPr lang="en-US"/>
               <a:t>Third level</a:t>
             </a:r>
           </a:p>
           <a:p>
             <a:pPr lvl="3"/>
             <a:r>
-              <a:rPr lang="en-US" smtClean="0"/>
+              <a:rPr lang="en-US"/>
               <a:t>Fourth level</a:t>
             </a:r>
           </a:p>
           <a:p>
             <a:pPr lvl="4"/>
             <a:r>
-              <a:rPr lang="en-US" smtClean="0"/>
+              <a:rPr lang="en-US"/>
               <a:t>Fifth level</a:t>
             </a:r>
             <a:endParaRPr lang="en-US" dirty="0"/>
@@ -1476,8 +1482,8 @@
         </p:nvSpPr>
         <p:spPr>
           <a:xfrm>
-            <a:off x="7869555" y="2241551"/>
-            <a:ext cx="6608565" cy="1098549"/>
+            <a:off x="13668851" y="2241551"/>
+            <a:ext cx="11478602" cy="1098549"/>
           </a:xfrm>
         </p:spPr>
         <p:txBody>
@@ -1485,45 +1491,45 @@
           <a:lstStyle>
             <a:lvl1pPr marL="0" indent="0">
               <a:buNone/>
-              <a:defRPr sz="3060" b="1"/>
+              <a:defRPr sz="3200" b="1"/>
             </a:lvl1pPr>
-            <a:lvl2pPr marL="582930" indent="0">
-              <a:buNone/>
-              <a:defRPr sz="2550" b="1"/>
+            <a:lvl2pPr marL="609585" indent="0">
+              <a:buNone/>
+              <a:defRPr sz="2667" b="1"/>
             </a:lvl2pPr>
-            <a:lvl3pPr marL="1165860" indent="0">
-              <a:buNone/>
-              <a:defRPr sz="2295" b="1"/>
+            <a:lvl3pPr marL="1219170" indent="0">
+              <a:buNone/>
+              <a:defRPr sz="2400" b="1"/>
             </a:lvl3pPr>
-            <a:lvl4pPr marL="1748790" indent="0">
-              <a:buNone/>
-              <a:defRPr sz="2040" b="1"/>
+            <a:lvl4pPr marL="1828754" indent="0">
+              <a:buNone/>
+              <a:defRPr sz="2133" b="1"/>
             </a:lvl4pPr>
-            <a:lvl5pPr marL="2331720" indent="0">
-              <a:buNone/>
-              <a:defRPr sz="2040" b="1"/>
+            <a:lvl5pPr marL="2438339" indent="0">
+              <a:buNone/>
+              <a:defRPr sz="2133" b="1"/>
             </a:lvl5pPr>
-            <a:lvl6pPr marL="2914650" indent="0">
-              <a:buNone/>
-              <a:defRPr sz="2040" b="1"/>
+            <a:lvl6pPr marL="3047924" indent="0">
+              <a:buNone/>
+              <a:defRPr sz="2133" b="1"/>
             </a:lvl6pPr>
-            <a:lvl7pPr marL="3497580" indent="0">
-              <a:buNone/>
-              <a:defRPr sz="2040" b="1"/>
+            <a:lvl7pPr marL="3657509" indent="0">
+              <a:buNone/>
+              <a:defRPr sz="2133" b="1"/>
             </a:lvl7pPr>
-            <a:lvl8pPr marL="4080510" indent="0">
-              <a:buNone/>
-              <a:defRPr sz="2040" b="1"/>
+            <a:lvl8pPr marL="4267093" indent="0">
+              <a:buNone/>
+              <a:defRPr sz="2133" b="1"/>
             </a:lvl8pPr>
-            <a:lvl9pPr marL="4663440" indent="0">
-              <a:buNone/>
-              <a:defRPr sz="2040" b="1"/>
+            <a:lvl9pPr marL="4876678" indent="0">
+              <a:buNone/>
+              <a:defRPr sz="2133" b="1"/>
             </a:lvl9pPr>
           </a:lstStyle>
           <a:p>
             <a:pPr lvl="0"/>
             <a:r>
-              <a:rPr lang="en-US" smtClean="0"/>
+              <a:rPr lang="en-US"/>
               <a:t>Click to edit Master text styles</a:t>
             </a:r>
           </a:p>
@@ -1541,8 +1547,8 @@
         </p:nvSpPr>
         <p:spPr>
           <a:xfrm>
-            <a:off x="7869555" y="3340100"/>
-            <a:ext cx="6608565" cy="4912784"/>
+            <a:off x="13668851" y="3340100"/>
+            <a:ext cx="11478602" cy="4912784"/>
           </a:xfrm>
         </p:spPr>
         <p:txBody>
@@ -1551,35 +1557,35 @@
           <a:p>
             <a:pPr lvl="0"/>
             <a:r>
-              <a:rPr lang="en-US" smtClean="0"/>
+              <a:rPr lang="en-US"/>
               <a:t>Click to edit Master text styles</a:t>
             </a:r>
           </a:p>
           <a:p>
             <a:pPr lvl="1"/>
             <a:r>
-              <a:rPr lang="en-US" smtClean="0"/>
+              <a:rPr lang="en-US"/>
               <a:t>Second level</a:t>
             </a:r>
           </a:p>
           <a:p>
             <a:pPr lvl="2"/>
             <a:r>
-              <a:rPr lang="en-US" smtClean="0"/>
+              <a:rPr lang="en-US"/>
               <a:t>Third level</a:t>
             </a:r>
           </a:p>
           <a:p>
             <a:pPr lvl="3"/>
             <a:r>
-              <a:rPr lang="en-US" smtClean="0"/>
+              <a:rPr lang="en-US"/>
               <a:t>Fourth level</a:t>
             </a:r>
           </a:p>
           <a:p>
             <a:pPr lvl="4"/>
             <a:r>
-              <a:rPr lang="en-US" smtClean="0"/>
+              <a:rPr lang="en-US"/>
               <a:t>Fifth level</a:t>
             </a:r>
             <a:endParaRPr lang="en-US" dirty="0"/>
@@ -1603,7 +1609,7 @@
           <a:p>
             <a:fld id="{74C08832-68F8-4290-A751-81EACF64CDAF}" type="datetimeFigureOut">
               <a:rPr lang="en-US" smtClean="0"/>
-              <a:t>2/22/2024</a:t>
+              <a:t>3/4/2024</a:t>
             </a:fld>
             <a:endParaRPr lang="en-US"/>
           </a:p>
@@ -1654,7 +1660,7 @@
     </p:spTree>
     <p:extLst>
       <p:ext uri="{BB962C8B-B14F-4D97-AF65-F5344CB8AC3E}">
-        <p14:creationId xmlns:p14="http://schemas.microsoft.com/office/powerpoint/2010/main" val="1987544315"/>
+        <p14:creationId xmlns:p14="http://schemas.microsoft.com/office/powerpoint/2010/main" val="1819865782"/>
       </p:ext>
     </p:extLst>
   </p:cSld>
@@ -1697,7 +1703,7 @@
           <a:lstStyle/>
           <a:p>
             <a:r>
-              <a:rPr lang="en-US" smtClean="0"/>
+              <a:rPr lang="en-US"/>
               <a:t>Click to edit Master title style</a:t>
             </a:r>
             <a:endParaRPr lang="en-US" dirty="0"/>
@@ -1721,7 +1727,7 @@
           <a:p>
             <a:fld id="{74C08832-68F8-4290-A751-81EACF64CDAF}" type="datetimeFigureOut">
               <a:rPr lang="en-US" smtClean="0"/>
-              <a:t>2/22/2024</a:t>
+              <a:t>3/4/2024</a:t>
             </a:fld>
             <a:endParaRPr lang="en-US"/>
           </a:p>
@@ -1772,7 +1778,7 @@
     </p:spTree>
     <p:extLst>
       <p:ext uri="{BB962C8B-B14F-4D97-AF65-F5344CB8AC3E}">
-        <p14:creationId xmlns:p14="http://schemas.microsoft.com/office/powerpoint/2010/main" val="1060230971"/>
+        <p14:creationId xmlns:p14="http://schemas.microsoft.com/office/powerpoint/2010/main" val="2507042190"/>
       </p:ext>
     </p:extLst>
   </p:cSld>
@@ -1816,7 +1822,7 @@
           <a:p>
             <a:fld id="{74C08832-68F8-4290-A751-81EACF64CDAF}" type="datetimeFigureOut">
               <a:rPr lang="en-US" smtClean="0"/>
-              <a:t>2/22/2024</a:t>
+              <a:t>3/4/2024</a:t>
             </a:fld>
             <a:endParaRPr lang="en-US"/>
           </a:p>
@@ -1867,7 +1873,7 @@
     </p:spTree>
     <p:extLst>
       <p:ext uri="{BB962C8B-B14F-4D97-AF65-F5344CB8AC3E}">
-        <p14:creationId xmlns:p14="http://schemas.microsoft.com/office/powerpoint/2010/main" val="1686891602"/>
+        <p14:creationId xmlns:p14="http://schemas.microsoft.com/office/powerpoint/2010/main" val="45583388"/>
       </p:ext>
     </p:extLst>
   </p:cSld>
@@ -1906,20 +1912,20 @@
         </p:nvSpPr>
         <p:spPr>
           <a:xfrm>
-            <a:off x="1070730" y="609600"/>
-            <a:ext cx="5013602" cy="2133600"/>
+            <a:off x="1859781" y="609600"/>
+            <a:ext cx="8708267" cy="2133600"/>
           </a:xfrm>
         </p:spPr>
         <p:txBody>
           <a:bodyPr anchor="b"/>
           <a:lstStyle>
             <a:lvl1pPr>
-              <a:defRPr sz="4080"/>
+              <a:defRPr sz="4267"/>
             </a:lvl1pPr>
           </a:lstStyle>
           <a:p>
             <a:r>
-              <a:rPr lang="en-US" smtClean="0"/>
+              <a:rPr lang="en-US"/>
               <a:t>Click to edit Master title style</a:t>
             </a:r>
             <a:endParaRPr lang="en-US" dirty="0"/>
@@ -1938,73 +1944,73 @@
         </p:nvSpPr>
         <p:spPr>
           <a:xfrm>
-            <a:off x="6608565" y="1316567"/>
-            <a:ext cx="7869555" cy="6498167"/>
+            <a:off x="11478602" y="1316567"/>
+            <a:ext cx="13668851" cy="6498167"/>
           </a:xfrm>
         </p:spPr>
         <p:txBody>
           <a:bodyPr/>
           <a:lstStyle>
             <a:lvl1pPr>
-              <a:defRPr sz="4080"/>
+              <a:defRPr sz="4267"/>
             </a:lvl1pPr>
             <a:lvl2pPr>
-              <a:defRPr sz="3570"/>
+              <a:defRPr sz="3733"/>
             </a:lvl2pPr>
             <a:lvl3pPr>
-              <a:defRPr sz="3060"/>
+              <a:defRPr sz="3200"/>
             </a:lvl3pPr>
             <a:lvl4pPr>
-              <a:defRPr sz="2550"/>
+              <a:defRPr sz="2667"/>
             </a:lvl4pPr>
             <a:lvl5pPr>
-              <a:defRPr sz="2550"/>
+              <a:defRPr sz="2667"/>
             </a:lvl5pPr>
             <a:lvl6pPr>
-              <a:defRPr sz="2550"/>
+              <a:defRPr sz="2667"/>
             </a:lvl6pPr>
             <a:lvl7pPr>
-              <a:defRPr sz="2550"/>
+              <a:defRPr sz="2667"/>
             </a:lvl7pPr>
             <a:lvl8pPr>
-              <a:defRPr sz="2550"/>
+              <a:defRPr sz="2667"/>
             </a:lvl8pPr>
             <a:lvl9pPr>
-              <a:defRPr sz="2550"/>
+              <a:defRPr sz="2667"/>
             </a:lvl9pPr>
           </a:lstStyle>
           <a:p>
             <a:pPr lvl="0"/>
             <a:r>
-              <a:rPr lang="en-US" smtClean="0"/>
+              <a:rPr lang="en-US"/>
               <a:t>Click to edit Master text styles</a:t>
             </a:r>
           </a:p>
           <a:p>
             <a:pPr lvl="1"/>
             <a:r>
-              <a:rPr lang="en-US" smtClean="0"/>
+              <a:rPr lang="en-US"/>
               <a:t>Second level</a:t>
             </a:r>
           </a:p>
           <a:p>
             <a:pPr lvl="2"/>
             <a:r>
-              <a:rPr lang="en-US" smtClean="0"/>
+              <a:rPr lang="en-US"/>
               <a:t>Third level</a:t>
             </a:r>
           </a:p>
           <a:p>
             <a:pPr lvl="3"/>
             <a:r>
-              <a:rPr lang="en-US" smtClean="0"/>
+              <a:rPr lang="en-US"/>
               <a:t>Fourth level</a:t>
             </a:r>
           </a:p>
           <a:p>
             <a:pPr lvl="4"/>
             <a:r>
-              <a:rPr lang="en-US" smtClean="0"/>
+              <a:rPr lang="en-US"/>
               <a:t>Fifth level</a:t>
             </a:r>
             <a:endParaRPr lang="en-US" dirty="0"/>
@@ -2023,8 +2029,8 @@
         </p:nvSpPr>
         <p:spPr>
           <a:xfrm>
-            <a:off x="1070730" y="2743200"/>
-            <a:ext cx="5013602" cy="5082117"/>
+            <a:off x="1859781" y="2743200"/>
+            <a:ext cx="8708267" cy="5082117"/>
           </a:xfrm>
         </p:spPr>
         <p:txBody>
@@ -2032,45 +2038,45 @@
           <a:lstStyle>
             <a:lvl1pPr marL="0" indent="0">
               <a:buNone/>
-              <a:defRPr sz="2040"/>
+              <a:defRPr sz="2133"/>
             </a:lvl1pPr>
-            <a:lvl2pPr marL="582930" indent="0">
-              <a:buNone/>
-              <a:defRPr sz="1785"/>
+            <a:lvl2pPr marL="609585" indent="0">
+              <a:buNone/>
+              <a:defRPr sz="1867"/>
             </a:lvl2pPr>
-            <a:lvl3pPr marL="1165860" indent="0">
-              <a:buNone/>
-              <a:defRPr sz="1530"/>
+            <a:lvl3pPr marL="1219170" indent="0">
+              <a:buNone/>
+              <a:defRPr sz="1600"/>
             </a:lvl3pPr>
-            <a:lvl4pPr marL="1748790" indent="0">
-              <a:buNone/>
-              <a:defRPr sz="1275"/>
+            <a:lvl4pPr marL="1828754" indent="0">
+              <a:buNone/>
+              <a:defRPr sz="1333"/>
             </a:lvl4pPr>
-            <a:lvl5pPr marL="2331720" indent="0">
-              <a:buNone/>
-              <a:defRPr sz="1275"/>
+            <a:lvl5pPr marL="2438339" indent="0">
+              <a:buNone/>
+              <a:defRPr sz="1333"/>
             </a:lvl5pPr>
-            <a:lvl6pPr marL="2914650" indent="0">
-              <a:buNone/>
-              <a:defRPr sz="1275"/>
+            <a:lvl6pPr marL="3047924" indent="0">
+              <a:buNone/>
+              <a:defRPr sz="1333"/>
             </a:lvl6pPr>
-            <a:lvl7pPr marL="3497580" indent="0">
-              <a:buNone/>
-              <a:defRPr sz="1275"/>
+            <a:lvl7pPr marL="3657509" indent="0">
+              <a:buNone/>
+              <a:defRPr sz="1333"/>
             </a:lvl7pPr>
-            <a:lvl8pPr marL="4080510" indent="0">
-              <a:buNone/>
-              <a:defRPr sz="1275"/>
+            <a:lvl8pPr marL="4267093" indent="0">
+              <a:buNone/>
+              <a:defRPr sz="1333"/>
             </a:lvl8pPr>
-            <a:lvl9pPr marL="4663440" indent="0">
-              <a:buNone/>
-              <a:defRPr sz="1275"/>
+            <a:lvl9pPr marL="4876678" indent="0">
+              <a:buNone/>
+              <a:defRPr sz="1333"/>
             </a:lvl9pPr>
           </a:lstStyle>
           <a:p>
             <a:pPr lvl="0"/>
             <a:r>
-              <a:rPr lang="en-US" smtClean="0"/>
+              <a:rPr lang="en-US"/>
               <a:t>Click to edit Master text styles</a:t>
             </a:r>
           </a:p>
@@ -2093,7 +2099,7 @@
           <a:p>
             <a:fld id="{74C08832-68F8-4290-A751-81EACF64CDAF}" type="datetimeFigureOut">
               <a:rPr lang="en-US" smtClean="0"/>
-              <a:t>2/22/2024</a:t>
+              <a:t>3/4/2024</a:t>
             </a:fld>
             <a:endParaRPr lang="en-US"/>
           </a:p>
@@ -2144,7 +2150,7 @@
     </p:spTree>
     <p:extLst>
       <p:ext uri="{BB962C8B-B14F-4D97-AF65-F5344CB8AC3E}">
-        <p14:creationId xmlns:p14="http://schemas.microsoft.com/office/powerpoint/2010/main" val="2820953745"/>
+        <p14:creationId xmlns:p14="http://schemas.microsoft.com/office/powerpoint/2010/main" val="3110088387"/>
       </p:ext>
     </p:extLst>
   </p:cSld>
@@ -2183,20 +2189,20 @@
         </p:nvSpPr>
         <p:spPr>
           <a:xfrm>
-            <a:off x="1070730" y="609600"/>
-            <a:ext cx="5013602" cy="2133600"/>
+            <a:off x="1859781" y="609600"/>
+            <a:ext cx="8708267" cy="2133600"/>
           </a:xfrm>
         </p:spPr>
         <p:txBody>
           <a:bodyPr anchor="b"/>
           <a:lstStyle>
             <a:lvl1pPr>
-              <a:defRPr sz="4080"/>
+              <a:defRPr sz="4267"/>
             </a:lvl1pPr>
           </a:lstStyle>
           <a:p>
             <a:r>
-              <a:rPr lang="en-US" smtClean="0"/>
+              <a:rPr lang="en-US"/>
               <a:t>Click to edit Master title style</a:t>
             </a:r>
             <a:endParaRPr lang="en-US" dirty="0"/>
@@ -2215,8 +2221,8 @@
         </p:nvSpPr>
         <p:spPr>
           <a:xfrm>
-            <a:off x="6608565" y="1316567"/>
-            <a:ext cx="7869555" cy="6498167"/>
+            <a:off x="11478602" y="1316567"/>
+            <a:ext cx="13668851" cy="6498167"/>
           </a:xfrm>
         </p:spPr>
         <p:txBody>
@@ -2224,44 +2230,44 @@
           <a:lstStyle>
             <a:lvl1pPr marL="0" indent="0">
               <a:buNone/>
-              <a:defRPr sz="4080"/>
+              <a:defRPr sz="4267"/>
             </a:lvl1pPr>
-            <a:lvl2pPr marL="582930" indent="0">
-              <a:buNone/>
-              <a:defRPr sz="3570"/>
+            <a:lvl2pPr marL="609585" indent="0">
+              <a:buNone/>
+              <a:defRPr sz="3733"/>
             </a:lvl2pPr>
-            <a:lvl3pPr marL="1165860" indent="0">
-              <a:buNone/>
-              <a:defRPr sz="3060"/>
+            <a:lvl3pPr marL="1219170" indent="0">
+              <a:buNone/>
+              <a:defRPr sz="3200"/>
             </a:lvl3pPr>
-            <a:lvl4pPr marL="1748790" indent="0">
-              <a:buNone/>
-              <a:defRPr sz="2550"/>
+            <a:lvl4pPr marL="1828754" indent="0">
+              <a:buNone/>
+              <a:defRPr sz="2667"/>
             </a:lvl4pPr>
-            <a:lvl5pPr marL="2331720" indent="0">
-              <a:buNone/>
-              <a:defRPr sz="2550"/>
+            <a:lvl5pPr marL="2438339" indent="0">
+              <a:buNone/>
+              <a:defRPr sz="2667"/>
             </a:lvl5pPr>
-            <a:lvl6pPr marL="2914650" indent="0">
-              <a:buNone/>
-              <a:defRPr sz="2550"/>
+            <a:lvl6pPr marL="3047924" indent="0">
+              <a:buNone/>
+              <a:defRPr sz="2667"/>
             </a:lvl6pPr>
-            <a:lvl7pPr marL="3497580" indent="0">
-              <a:buNone/>
-              <a:defRPr sz="2550"/>
+            <a:lvl7pPr marL="3657509" indent="0">
+              <a:buNone/>
+              <a:defRPr sz="2667"/>
             </a:lvl7pPr>
-            <a:lvl8pPr marL="4080510" indent="0">
-              <a:buNone/>
-              <a:defRPr sz="2550"/>
+            <a:lvl8pPr marL="4267093" indent="0">
+              <a:buNone/>
+              <a:defRPr sz="2667"/>
             </a:lvl8pPr>
-            <a:lvl9pPr marL="4663440" indent="0">
-              <a:buNone/>
-              <a:defRPr sz="2550"/>
+            <a:lvl9pPr marL="4876678" indent="0">
+              <a:buNone/>
+              <a:defRPr sz="2667"/>
             </a:lvl9pPr>
           </a:lstStyle>
           <a:p>
             <a:r>
-              <a:rPr lang="en-US" smtClean="0"/>
+              <a:rPr lang="en-US"/>
               <a:t>Click icon to add picture</a:t>
             </a:r>
             <a:endParaRPr lang="en-US" dirty="0"/>
@@ -2280,8 +2286,8 @@
         </p:nvSpPr>
         <p:spPr>
           <a:xfrm>
-            <a:off x="1070730" y="2743200"/>
-            <a:ext cx="5013602" cy="5082117"/>
+            <a:off x="1859781" y="2743200"/>
+            <a:ext cx="8708267" cy="5082117"/>
           </a:xfrm>
         </p:spPr>
         <p:txBody>
@@ -2289,45 +2295,45 @@
           <a:lstStyle>
             <a:lvl1pPr marL="0" indent="0">
               <a:buNone/>
-              <a:defRPr sz="2040"/>
+              <a:defRPr sz="2133"/>
             </a:lvl1pPr>
-            <a:lvl2pPr marL="582930" indent="0">
-              <a:buNone/>
-              <a:defRPr sz="1785"/>
+            <a:lvl2pPr marL="609585" indent="0">
+              <a:buNone/>
+              <a:defRPr sz="1867"/>
             </a:lvl2pPr>
-            <a:lvl3pPr marL="1165860" indent="0">
-              <a:buNone/>
-              <a:defRPr sz="1530"/>
+            <a:lvl3pPr marL="1219170" indent="0">
+              <a:buNone/>
+              <a:defRPr sz="1600"/>
             </a:lvl3pPr>
-            <a:lvl4pPr marL="1748790" indent="0">
-              <a:buNone/>
-              <a:defRPr sz="1275"/>
+            <a:lvl4pPr marL="1828754" indent="0">
+              <a:buNone/>
+              <a:defRPr sz="1333"/>
             </a:lvl4pPr>
-            <a:lvl5pPr marL="2331720" indent="0">
-              <a:buNone/>
-              <a:defRPr sz="1275"/>
+            <a:lvl5pPr marL="2438339" indent="0">
+              <a:buNone/>
+              <a:defRPr sz="1333"/>
             </a:lvl5pPr>
-            <a:lvl6pPr marL="2914650" indent="0">
-              <a:buNone/>
-              <a:defRPr sz="1275"/>
+            <a:lvl6pPr marL="3047924" indent="0">
+              <a:buNone/>
+              <a:defRPr sz="1333"/>
             </a:lvl6pPr>
-            <a:lvl7pPr marL="3497580" indent="0">
-              <a:buNone/>
-              <a:defRPr sz="1275"/>
+            <a:lvl7pPr marL="3657509" indent="0">
+              <a:buNone/>
+              <a:defRPr sz="1333"/>
             </a:lvl7pPr>
-            <a:lvl8pPr marL="4080510" indent="0">
-              <a:buNone/>
-              <a:defRPr sz="1275"/>
+            <a:lvl8pPr marL="4267093" indent="0">
+              <a:buNone/>
+              <a:defRPr sz="1333"/>
             </a:lvl8pPr>
-            <a:lvl9pPr marL="4663440" indent="0">
-              <a:buNone/>
-              <a:defRPr sz="1275"/>
+            <a:lvl9pPr marL="4876678" indent="0">
+              <a:buNone/>
+              <a:defRPr sz="1333"/>
             </a:lvl9pPr>
           </a:lstStyle>
           <a:p>
             <a:pPr lvl="0"/>
             <a:r>
-              <a:rPr lang="en-US" smtClean="0"/>
+              <a:rPr lang="en-US"/>
               <a:t>Click to edit Master text styles</a:t>
             </a:r>
           </a:p>
@@ -2350,7 +2356,7 @@
           <a:p>
             <a:fld id="{74C08832-68F8-4290-A751-81EACF64CDAF}" type="datetimeFigureOut">
               <a:rPr lang="en-US" smtClean="0"/>
-              <a:t>2/22/2024</a:t>
+              <a:t>3/4/2024</a:t>
             </a:fld>
             <a:endParaRPr lang="en-US"/>
           </a:p>
@@ -2401,7 +2407,7 @@
     </p:spTree>
     <p:extLst>
       <p:ext uri="{BB962C8B-B14F-4D97-AF65-F5344CB8AC3E}">
-        <p14:creationId xmlns:p14="http://schemas.microsoft.com/office/powerpoint/2010/main" val="4262903274"/>
+        <p14:creationId xmlns:p14="http://schemas.microsoft.com/office/powerpoint/2010/main" val="2538077052"/>
       </p:ext>
     </p:extLst>
   </p:cSld>
@@ -2445,8 +2451,8 @@
         </p:nvSpPr>
         <p:spPr>
           <a:xfrm>
-            <a:off x="1068705" y="486834"/>
-            <a:ext cx="13407390" cy="1767417"/>
+            <a:off x="1856264" y="486834"/>
+            <a:ext cx="23287673" cy="1767417"/>
           </a:xfrm>
           <a:prstGeom prst="rect">
             <a:avLst/>
@@ -2459,7 +2465,7 @@
           <a:lstStyle/>
           <a:p>
             <a:r>
-              <a:rPr lang="en-US" smtClean="0"/>
+              <a:rPr lang="en-US"/>
               <a:t>Click to edit Master title style</a:t>
             </a:r>
             <a:endParaRPr lang="en-US" dirty="0"/>
@@ -2478,8 +2484,8 @@
         </p:nvSpPr>
         <p:spPr>
           <a:xfrm>
-            <a:off x="1068705" y="2434167"/>
-            <a:ext cx="13407390" cy="5801784"/>
+            <a:off x="1856264" y="2434167"/>
+            <a:ext cx="23287673" cy="5801784"/>
           </a:xfrm>
           <a:prstGeom prst="rect">
             <a:avLst/>
@@ -2493,35 +2499,35 @@
           <a:p>
             <a:pPr lvl="0"/>
             <a:r>
-              <a:rPr lang="en-US" smtClean="0"/>
+              <a:rPr lang="en-US"/>
               <a:t>Click to edit Master text styles</a:t>
             </a:r>
           </a:p>
           <a:p>
             <a:pPr lvl="1"/>
             <a:r>
-              <a:rPr lang="en-US" smtClean="0"/>
+              <a:rPr lang="en-US"/>
               <a:t>Second level</a:t>
             </a:r>
           </a:p>
           <a:p>
             <a:pPr lvl="2"/>
             <a:r>
-              <a:rPr lang="en-US" smtClean="0"/>
+              <a:rPr lang="en-US"/>
               <a:t>Third level</a:t>
             </a:r>
           </a:p>
           <a:p>
             <a:pPr lvl="3"/>
             <a:r>
-              <a:rPr lang="en-US" smtClean="0"/>
+              <a:rPr lang="en-US"/>
               <a:t>Fourth level</a:t>
             </a:r>
           </a:p>
           <a:p>
             <a:pPr lvl="4"/>
             <a:r>
-              <a:rPr lang="en-US" smtClean="0"/>
+              <a:rPr lang="en-US"/>
               <a:t>Fifth level</a:t>
             </a:r>
             <a:endParaRPr lang="en-US" dirty="0"/>
@@ -2540,8 +2546,8 @@
         </p:nvSpPr>
         <p:spPr>
           <a:xfrm>
-            <a:off x="1068705" y="8475134"/>
-            <a:ext cx="3497580" cy="486833"/>
+            <a:off x="1856264" y="8475134"/>
+            <a:ext cx="6075045" cy="486833"/>
           </a:xfrm>
           <a:prstGeom prst="rect">
             <a:avLst/>
@@ -2551,7 +2557,7 @@
           <a:bodyPr vert="horz" lIns="91440" tIns="45720" rIns="91440" bIns="45720" rtlCol="0" anchor="ctr"/>
           <a:lstStyle>
             <a:lvl1pPr algn="l">
-              <a:defRPr sz="1530">
+              <a:defRPr sz="1600">
                 <a:solidFill>
                   <a:schemeClr val="tx1">
                     <a:tint val="75000"/>
@@ -2563,7 +2569,7 @@
           <a:p>
             <a:fld id="{74C08832-68F8-4290-A751-81EACF64CDAF}" type="datetimeFigureOut">
               <a:rPr lang="en-US" smtClean="0"/>
-              <a:t>2/22/2024</a:t>
+              <a:t>3/4/2024</a:t>
             </a:fld>
             <a:endParaRPr lang="en-US"/>
           </a:p>
@@ -2581,8 +2587,8 @@
         </p:nvSpPr>
         <p:spPr>
           <a:xfrm>
-            <a:off x="5149215" y="8475134"/>
-            <a:ext cx="5246370" cy="486833"/>
+            <a:off x="8943816" y="8475134"/>
+            <a:ext cx="9112568" cy="486833"/>
           </a:xfrm>
           <a:prstGeom prst="rect">
             <a:avLst/>
@@ -2592,7 +2598,7 @@
           <a:bodyPr vert="horz" lIns="91440" tIns="45720" rIns="91440" bIns="45720" rtlCol="0" anchor="ctr"/>
           <a:lstStyle>
             <a:lvl1pPr algn="ctr">
-              <a:defRPr sz="1530">
+              <a:defRPr sz="1600">
                 <a:solidFill>
                   <a:schemeClr val="tx1">
                     <a:tint val="75000"/>
@@ -2618,8 +2624,8 @@
         </p:nvSpPr>
         <p:spPr>
           <a:xfrm>
-            <a:off x="10978515" y="8475134"/>
-            <a:ext cx="3497580" cy="486833"/>
+            <a:off x="19068891" y="8475134"/>
+            <a:ext cx="6075045" cy="486833"/>
           </a:xfrm>
           <a:prstGeom prst="rect">
             <a:avLst/>
@@ -2629,7 +2635,7 @@
           <a:bodyPr vert="horz" lIns="91440" tIns="45720" rIns="91440" bIns="45720" rtlCol="0" anchor="ctr"/>
           <a:lstStyle>
             <a:lvl1pPr algn="r">
-              <a:defRPr sz="1530">
+              <a:defRPr sz="1600">
                 <a:solidFill>
                   <a:schemeClr val="tx1">
                     <a:tint val="75000"/>
@@ -2650,27 +2656,27 @@
     </p:spTree>
     <p:extLst>
       <p:ext uri="{BB962C8B-B14F-4D97-AF65-F5344CB8AC3E}">
-        <p14:creationId xmlns:p14="http://schemas.microsoft.com/office/powerpoint/2010/main" val="3404352626"/>
+        <p14:creationId xmlns:p14="http://schemas.microsoft.com/office/powerpoint/2010/main" val="3622468634"/>
       </p:ext>
     </p:extLst>
   </p:cSld>
   <p:clrMap bg1="lt1" tx1="dk1" bg2="lt2" tx2="dk2" accent1="accent1" accent2="accent2" accent3="accent3" accent4="accent4" accent5="accent5" accent6="accent6" hlink="hlink" folHlink="folHlink"/>
   <p:sldLayoutIdLst>
-    <p:sldLayoutId id="2147483661" r:id="rId1"/>
-    <p:sldLayoutId id="2147483662" r:id="rId2"/>
-    <p:sldLayoutId id="2147483663" r:id="rId3"/>
-    <p:sldLayoutId id="2147483664" r:id="rId4"/>
-    <p:sldLayoutId id="2147483665" r:id="rId5"/>
-    <p:sldLayoutId id="2147483666" r:id="rId6"/>
-    <p:sldLayoutId id="2147483667" r:id="rId7"/>
-    <p:sldLayoutId id="2147483668" r:id="rId8"/>
-    <p:sldLayoutId id="2147483669" r:id="rId9"/>
-    <p:sldLayoutId id="2147483670" r:id="rId10"/>
-    <p:sldLayoutId id="2147483671" r:id="rId11"/>
+    <p:sldLayoutId id="2147483697" r:id="rId1"/>
+    <p:sldLayoutId id="2147483698" r:id="rId2"/>
+    <p:sldLayoutId id="2147483699" r:id="rId3"/>
+    <p:sldLayoutId id="2147483700" r:id="rId4"/>
+    <p:sldLayoutId id="2147483701" r:id="rId5"/>
+    <p:sldLayoutId id="2147483702" r:id="rId6"/>
+    <p:sldLayoutId id="2147483703" r:id="rId7"/>
+    <p:sldLayoutId id="2147483704" r:id="rId8"/>
+    <p:sldLayoutId id="2147483705" r:id="rId9"/>
+    <p:sldLayoutId id="2147483706" r:id="rId10"/>
+    <p:sldLayoutId id="2147483707" r:id="rId11"/>
   </p:sldLayoutIdLst>
   <p:txStyles>
     <p:titleStyle>
-      <a:lvl1pPr algn="l" defTabSz="1165860" rtl="0" eaLnBrk="1" latinLnBrk="0" hangingPunct="1">
+      <a:lvl1pPr algn="l" defTabSz="1219170" rtl="0" eaLnBrk="1" latinLnBrk="0" hangingPunct="1">
         <a:lnSpc>
           <a:spcPct val="90000"/>
         </a:lnSpc>
@@ -2678,7 +2684,7 @@
           <a:spcPct val="0"/>
         </a:spcBef>
         <a:buNone/>
-        <a:defRPr sz="5610" kern="1200">
+        <a:defRPr sz="5867" kern="1200">
           <a:solidFill>
             <a:schemeClr val="tx1"/>
           </a:solidFill>
@@ -2689,16 +2695,16 @@
       </a:lvl1pPr>
     </p:titleStyle>
     <p:bodyStyle>
-      <a:lvl1pPr marL="291465" indent="-291465" algn="l" defTabSz="1165860" rtl="0" eaLnBrk="1" latinLnBrk="0" hangingPunct="1">
+      <a:lvl1pPr marL="304792" indent="-304792" algn="l" defTabSz="1219170" rtl="0" eaLnBrk="1" latinLnBrk="0" hangingPunct="1">
         <a:lnSpc>
           <a:spcPct val="90000"/>
         </a:lnSpc>
         <a:spcBef>
-          <a:spcPts val="1275"/>
+          <a:spcPts val="1333"/>
         </a:spcBef>
         <a:buFont typeface="Arial" panose="020B0604020202020204" pitchFamily="34" charset="0"/>
         <a:buChar char="•"/>
-        <a:defRPr sz="3570" kern="1200">
+        <a:defRPr sz="3733" kern="1200">
           <a:solidFill>
             <a:schemeClr val="tx1"/>
           </a:solidFill>
@@ -2707,16 +2713,16 @@
           <a:cs typeface="+mn-cs"/>
         </a:defRPr>
       </a:lvl1pPr>
-      <a:lvl2pPr marL="874395" indent="-291465" algn="l" defTabSz="1165860" rtl="0" eaLnBrk="1" latinLnBrk="0" hangingPunct="1">
+      <a:lvl2pPr marL="914377" indent="-304792" algn="l" defTabSz="1219170" rtl="0" eaLnBrk="1" latinLnBrk="0" hangingPunct="1">
         <a:lnSpc>
           <a:spcPct val="90000"/>
         </a:lnSpc>
         <a:spcBef>
-          <a:spcPts val="638"/>
+          <a:spcPts val="667"/>
         </a:spcBef>
         <a:buFont typeface="Arial" panose="020B0604020202020204" pitchFamily="34" charset="0"/>
         <a:buChar char="•"/>
-        <a:defRPr sz="3060" kern="1200">
+        <a:defRPr sz="3200" kern="1200">
           <a:solidFill>
             <a:schemeClr val="tx1"/>
           </a:solidFill>
@@ -2725,16 +2731,16 @@
           <a:cs typeface="+mn-cs"/>
         </a:defRPr>
       </a:lvl2pPr>
-      <a:lvl3pPr marL="1457325" indent="-291465" algn="l" defTabSz="1165860" rtl="0" eaLnBrk="1" latinLnBrk="0" hangingPunct="1">
+      <a:lvl3pPr marL="1523962" indent="-304792" algn="l" defTabSz="1219170" rtl="0" eaLnBrk="1" latinLnBrk="0" hangingPunct="1">
         <a:lnSpc>
           <a:spcPct val="90000"/>
         </a:lnSpc>
         <a:spcBef>
-          <a:spcPts val="638"/>
+          <a:spcPts val="667"/>
         </a:spcBef>
         <a:buFont typeface="Arial" panose="020B0604020202020204" pitchFamily="34" charset="0"/>
         <a:buChar char="•"/>
-        <a:defRPr sz="2550" kern="1200">
+        <a:defRPr sz="2667" kern="1200">
           <a:solidFill>
             <a:schemeClr val="tx1"/>
           </a:solidFill>
@@ -2743,16 +2749,16 @@
           <a:cs typeface="+mn-cs"/>
         </a:defRPr>
       </a:lvl3pPr>
-      <a:lvl4pPr marL="2040255" indent="-291465" algn="l" defTabSz="1165860" rtl="0" eaLnBrk="1" latinLnBrk="0" hangingPunct="1">
+      <a:lvl4pPr marL="2133547" indent="-304792" algn="l" defTabSz="1219170" rtl="0" eaLnBrk="1" latinLnBrk="0" hangingPunct="1">
         <a:lnSpc>
           <a:spcPct val="90000"/>
         </a:lnSpc>
         <a:spcBef>
-          <a:spcPts val="638"/>
+          <a:spcPts val="667"/>
         </a:spcBef>
         <a:buFont typeface="Arial" panose="020B0604020202020204" pitchFamily="34" charset="0"/>
         <a:buChar char="•"/>
-        <a:defRPr sz="2295" kern="1200">
+        <a:defRPr sz="2400" kern="1200">
           <a:solidFill>
             <a:schemeClr val="tx1"/>
           </a:solidFill>
@@ -2761,16 +2767,16 @@
           <a:cs typeface="+mn-cs"/>
         </a:defRPr>
       </a:lvl4pPr>
-      <a:lvl5pPr marL="2623185" indent="-291465" algn="l" defTabSz="1165860" rtl="0" eaLnBrk="1" latinLnBrk="0" hangingPunct="1">
+      <a:lvl5pPr marL="2743131" indent="-304792" algn="l" defTabSz="1219170" rtl="0" eaLnBrk="1" latinLnBrk="0" hangingPunct="1">
         <a:lnSpc>
           <a:spcPct val="90000"/>
         </a:lnSpc>
         <a:spcBef>
-          <a:spcPts val="638"/>
+          <a:spcPts val="667"/>
         </a:spcBef>
         <a:buFont typeface="Arial" panose="020B0604020202020204" pitchFamily="34" charset="0"/>
         <a:buChar char="•"/>
-        <a:defRPr sz="2295" kern="1200">
+        <a:defRPr sz="2400" kern="1200">
           <a:solidFill>
             <a:schemeClr val="tx1"/>
           </a:solidFill>
@@ -2779,16 +2785,16 @@
           <a:cs typeface="+mn-cs"/>
         </a:defRPr>
       </a:lvl5pPr>
-      <a:lvl6pPr marL="3206115" indent="-291465" algn="l" defTabSz="1165860" rtl="0" eaLnBrk="1" latinLnBrk="0" hangingPunct="1">
+      <a:lvl6pPr marL="3352716" indent="-304792" algn="l" defTabSz="1219170" rtl="0" eaLnBrk="1" latinLnBrk="0" hangingPunct="1">
         <a:lnSpc>
           <a:spcPct val="90000"/>
         </a:lnSpc>
         <a:spcBef>
-          <a:spcPts val="638"/>
+          <a:spcPts val="667"/>
         </a:spcBef>
         <a:buFont typeface="Arial" panose="020B0604020202020204" pitchFamily="34" charset="0"/>
         <a:buChar char="•"/>
-        <a:defRPr sz="2295" kern="1200">
+        <a:defRPr sz="2400" kern="1200">
           <a:solidFill>
             <a:schemeClr val="tx1"/>
           </a:solidFill>
@@ -2797,16 +2803,16 @@
           <a:cs typeface="+mn-cs"/>
         </a:defRPr>
       </a:lvl6pPr>
-      <a:lvl7pPr marL="3789045" indent="-291465" algn="l" defTabSz="1165860" rtl="0" eaLnBrk="1" latinLnBrk="0" hangingPunct="1">
+      <a:lvl7pPr marL="3962301" indent="-304792" algn="l" defTabSz="1219170" rtl="0" eaLnBrk="1" latinLnBrk="0" hangingPunct="1">
         <a:lnSpc>
           <a:spcPct val="90000"/>
         </a:lnSpc>
         <a:spcBef>
-          <a:spcPts val="638"/>
+          <a:spcPts val="667"/>
         </a:spcBef>
         <a:buFont typeface="Arial" panose="020B0604020202020204" pitchFamily="34" charset="0"/>
         <a:buChar char="•"/>
-        <a:defRPr sz="2295" kern="1200">
+        <a:defRPr sz="2400" kern="1200">
           <a:solidFill>
             <a:schemeClr val="tx1"/>
           </a:solidFill>
@@ -2815,16 +2821,16 @@
           <a:cs typeface="+mn-cs"/>
         </a:defRPr>
       </a:lvl7pPr>
-      <a:lvl8pPr marL="4371975" indent="-291465" algn="l" defTabSz="1165860" rtl="0" eaLnBrk="1" latinLnBrk="0" hangingPunct="1">
+      <a:lvl8pPr marL="4571886" indent="-304792" algn="l" defTabSz="1219170" rtl="0" eaLnBrk="1" latinLnBrk="0" hangingPunct="1">
         <a:lnSpc>
           <a:spcPct val="90000"/>
         </a:lnSpc>
         <a:spcBef>
-          <a:spcPts val="638"/>
+          <a:spcPts val="667"/>
         </a:spcBef>
         <a:buFont typeface="Arial" panose="020B0604020202020204" pitchFamily="34" charset="0"/>
         <a:buChar char="•"/>
-        <a:defRPr sz="2295" kern="1200">
+        <a:defRPr sz="2400" kern="1200">
           <a:solidFill>
             <a:schemeClr val="tx1"/>
           </a:solidFill>
@@ -2833,16 +2839,16 @@
           <a:cs typeface="+mn-cs"/>
         </a:defRPr>
       </a:lvl8pPr>
-      <a:lvl9pPr marL="4954905" indent="-291465" algn="l" defTabSz="1165860" rtl="0" eaLnBrk="1" latinLnBrk="0" hangingPunct="1">
+      <a:lvl9pPr marL="5181470" indent="-304792" algn="l" defTabSz="1219170" rtl="0" eaLnBrk="1" latinLnBrk="0" hangingPunct="1">
         <a:lnSpc>
           <a:spcPct val="90000"/>
         </a:lnSpc>
         <a:spcBef>
-          <a:spcPts val="638"/>
+          <a:spcPts val="667"/>
         </a:spcBef>
         <a:buFont typeface="Arial" panose="020B0604020202020204" pitchFamily="34" charset="0"/>
         <a:buChar char="•"/>
-        <a:defRPr sz="2295" kern="1200">
+        <a:defRPr sz="2400" kern="1200">
           <a:solidFill>
             <a:schemeClr val="tx1"/>
           </a:solidFill>
@@ -2856,8 +2862,8 @@
       <a:defPPr>
         <a:defRPr lang="en-US"/>
       </a:defPPr>
-      <a:lvl1pPr marL="0" algn="l" defTabSz="1165860" rtl="0" eaLnBrk="1" latinLnBrk="0" hangingPunct="1">
-        <a:defRPr sz="2295" kern="1200">
+      <a:lvl1pPr marL="0" algn="l" defTabSz="1219170" rtl="0" eaLnBrk="1" latinLnBrk="0" hangingPunct="1">
+        <a:defRPr sz="2400" kern="1200">
           <a:solidFill>
             <a:schemeClr val="tx1"/>
           </a:solidFill>
@@ -2866,8 +2872,8 @@
           <a:cs typeface="+mn-cs"/>
         </a:defRPr>
       </a:lvl1pPr>
-      <a:lvl2pPr marL="582930" algn="l" defTabSz="1165860" rtl="0" eaLnBrk="1" latinLnBrk="0" hangingPunct="1">
-        <a:defRPr sz="2295" kern="1200">
+      <a:lvl2pPr marL="609585" algn="l" defTabSz="1219170" rtl="0" eaLnBrk="1" latinLnBrk="0" hangingPunct="1">
+        <a:defRPr sz="2400" kern="1200">
           <a:solidFill>
             <a:schemeClr val="tx1"/>
           </a:solidFill>
@@ -2876,8 +2882,8 @@
           <a:cs typeface="+mn-cs"/>
         </a:defRPr>
       </a:lvl2pPr>
-      <a:lvl3pPr marL="1165860" algn="l" defTabSz="1165860" rtl="0" eaLnBrk="1" latinLnBrk="0" hangingPunct="1">
-        <a:defRPr sz="2295" kern="1200">
+      <a:lvl3pPr marL="1219170" algn="l" defTabSz="1219170" rtl="0" eaLnBrk="1" latinLnBrk="0" hangingPunct="1">
+        <a:defRPr sz="2400" kern="1200">
           <a:solidFill>
             <a:schemeClr val="tx1"/>
           </a:solidFill>
@@ -2886,8 +2892,8 @@
           <a:cs typeface="+mn-cs"/>
         </a:defRPr>
       </a:lvl3pPr>
-      <a:lvl4pPr marL="1748790" algn="l" defTabSz="1165860" rtl="0" eaLnBrk="1" latinLnBrk="0" hangingPunct="1">
-        <a:defRPr sz="2295" kern="1200">
+      <a:lvl4pPr marL="1828754" algn="l" defTabSz="1219170" rtl="0" eaLnBrk="1" latinLnBrk="0" hangingPunct="1">
+        <a:defRPr sz="2400" kern="1200">
           <a:solidFill>
             <a:schemeClr val="tx1"/>
           </a:solidFill>
@@ -2896,8 +2902,8 @@
           <a:cs typeface="+mn-cs"/>
         </a:defRPr>
       </a:lvl4pPr>
-      <a:lvl5pPr marL="2331720" algn="l" defTabSz="1165860" rtl="0" eaLnBrk="1" latinLnBrk="0" hangingPunct="1">
-        <a:defRPr sz="2295" kern="1200">
+      <a:lvl5pPr marL="2438339" algn="l" defTabSz="1219170" rtl="0" eaLnBrk="1" latinLnBrk="0" hangingPunct="1">
+        <a:defRPr sz="2400" kern="1200">
           <a:solidFill>
             <a:schemeClr val="tx1"/>
           </a:solidFill>
@@ -2906,8 +2912,8 @@
           <a:cs typeface="+mn-cs"/>
         </a:defRPr>
       </a:lvl5pPr>
-      <a:lvl6pPr marL="2914650" algn="l" defTabSz="1165860" rtl="0" eaLnBrk="1" latinLnBrk="0" hangingPunct="1">
-        <a:defRPr sz="2295" kern="1200">
+      <a:lvl6pPr marL="3047924" algn="l" defTabSz="1219170" rtl="0" eaLnBrk="1" latinLnBrk="0" hangingPunct="1">
+        <a:defRPr sz="2400" kern="1200">
           <a:solidFill>
             <a:schemeClr val="tx1"/>
           </a:solidFill>
@@ -2916,8 +2922,8 @@
           <a:cs typeface="+mn-cs"/>
         </a:defRPr>
       </a:lvl6pPr>
-      <a:lvl7pPr marL="3497580" algn="l" defTabSz="1165860" rtl="0" eaLnBrk="1" latinLnBrk="0" hangingPunct="1">
-        <a:defRPr sz="2295" kern="1200">
+      <a:lvl7pPr marL="3657509" algn="l" defTabSz="1219170" rtl="0" eaLnBrk="1" latinLnBrk="0" hangingPunct="1">
+        <a:defRPr sz="2400" kern="1200">
           <a:solidFill>
             <a:schemeClr val="tx1"/>
           </a:solidFill>
@@ -2926,8 +2932,8 @@
           <a:cs typeface="+mn-cs"/>
         </a:defRPr>
       </a:lvl7pPr>
-      <a:lvl8pPr marL="4080510" algn="l" defTabSz="1165860" rtl="0" eaLnBrk="1" latinLnBrk="0" hangingPunct="1">
-        <a:defRPr sz="2295" kern="1200">
+      <a:lvl8pPr marL="4267093" algn="l" defTabSz="1219170" rtl="0" eaLnBrk="1" latinLnBrk="0" hangingPunct="1">
+        <a:defRPr sz="2400" kern="1200">
           <a:solidFill>
             <a:schemeClr val="tx1"/>
           </a:solidFill>
@@ -2936,8 +2942,8 @@
           <a:cs typeface="+mn-cs"/>
         </a:defRPr>
       </a:lvl8pPr>
-      <a:lvl9pPr marL="4663440" algn="l" defTabSz="1165860" rtl="0" eaLnBrk="1" latinLnBrk="0" hangingPunct="1">
-        <a:defRPr sz="2295" kern="1200">
+      <a:lvl9pPr marL="4876678" algn="l" defTabSz="1219170" rtl="0" eaLnBrk="1" latinLnBrk="0" hangingPunct="1">
+        <a:defRPr sz="2400" kern="1200">
           <a:solidFill>
             <a:schemeClr val="tx1"/>
           </a:solidFill>
@@ -2968,423 +2974,970 @@
           <a:chExt cx="0" cy="0"/>
         </a:xfrm>
       </p:grpSpPr>
+      <p:sp>
+        <p:nvSpPr>
+          <p:cNvPr id="4" name="TextBox 3"/>
+          <p:cNvSpPr txBox="1"/>
+          <p:nvPr/>
+        </p:nvSpPr>
+        <p:spPr>
+          <a:xfrm>
+            <a:off x="8411742" y="325732"/>
+            <a:ext cx="2922723" cy="400110"/>
+          </a:xfrm>
+          <a:prstGeom prst="rect">
+            <a:avLst/>
+          </a:prstGeom>
+          <a:noFill/>
+        </p:spPr>
+        <p:txBody>
+          <a:bodyPr wrap="none" rtlCol="0">
+            <a:spAutoFit/>
+          </a:bodyPr>
+          <a:lstStyle/>
+          <a:p>
+            <a:r>
+              <a:rPr lang="en-US" sz="2000" dirty="0"/>
+              <a:t>1. Understanding the Data</a:t>
+            </a:r>
+          </a:p>
+        </p:txBody>
+      </p:sp>
+      <p:sp>
+        <p:nvSpPr>
+          <p:cNvPr id="5" name="TextBox 4"/>
+          <p:cNvSpPr txBox="1"/>
+          <p:nvPr/>
+        </p:nvSpPr>
+        <p:spPr>
+          <a:xfrm>
+            <a:off x="8411742" y="1940651"/>
+            <a:ext cx="3389711" cy="400110"/>
+          </a:xfrm>
+          <a:prstGeom prst="rect">
+            <a:avLst/>
+          </a:prstGeom>
+          <a:noFill/>
+        </p:spPr>
+        <p:txBody>
+          <a:bodyPr wrap="none" rtlCol="0">
+            <a:spAutoFit/>
+          </a:bodyPr>
+          <a:lstStyle/>
+          <a:p>
+            <a:r>
+              <a:rPr lang="en-US" sz="2000" dirty="0"/>
+              <a:t>2. Defining Problem Statement</a:t>
+            </a:r>
+          </a:p>
+        </p:txBody>
+      </p:sp>
+      <p:sp>
+        <p:nvSpPr>
+          <p:cNvPr id="6" name="TextBox 5"/>
+          <p:cNvSpPr txBox="1"/>
+          <p:nvPr/>
+        </p:nvSpPr>
+        <p:spPr>
+          <a:xfrm>
+            <a:off x="8411739" y="3047238"/>
+            <a:ext cx="2306978" cy="400110"/>
+          </a:xfrm>
+          <a:prstGeom prst="rect">
+            <a:avLst/>
+          </a:prstGeom>
+          <a:noFill/>
+        </p:spPr>
+        <p:txBody>
+          <a:bodyPr wrap="none" rtlCol="0">
+            <a:spAutoFit/>
+          </a:bodyPr>
+          <a:lstStyle/>
+          <a:p>
+            <a:r>
+              <a:rPr lang="en-US" sz="2000" dirty="0"/>
+              <a:t>3. Making Issue Tree</a:t>
+            </a:r>
+          </a:p>
+        </p:txBody>
+      </p:sp>
+      <p:sp>
+        <p:nvSpPr>
+          <p:cNvPr id="43" name="TextBox 42"/>
+          <p:cNvSpPr txBox="1"/>
+          <p:nvPr/>
+        </p:nvSpPr>
+        <p:spPr>
+          <a:xfrm>
+            <a:off x="8602242" y="812497"/>
+            <a:ext cx="5092933" cy="1015663"/>
+          </a:xfrm>
+          <a:prstGeom prst="rect">
+            <a:avLst/>
+          </a:prstGeom>
+          <a:noFill/>
+        </p:spPr>
+        <p:txBody>
+          <a:bodyPr wrap="none" rtlCol="0">
+            <a:spAutoFit/>
+          </a:bodyPr>
+          <a:lstStyle/>
+          <a:p>
+            <a:pPr marL="285739" indent="-285739">
+              <a:buFontTx/>
+              <a:buChar char="-"/>
+            </a:pPr>
+            <a:r>
+              <a:rPr lang="en-US" sz="2000" dirty="0" err="1"/>
+              <a:t>Jumlah</a:t>
+            </a:r>
+            <a:r>
+              <a:rPr lang="en-US" sz="2000" dirty="0"/>
+              <a:t> </a:t>
+            </a:r>
+            <a:r>
+              <a:rPr lang="en-US" sz="2000" dirty="0" err="1"/>
+              <a:t>penjualan</a:t>
+            </a:r>
+            <a:r>
+              <a:rPr lang="en-US" sz="2000" dirty="0"/>
+              <a:t> pizza</a:t>
+            </a:r>
+          </a:p>
+          <a:p>
+            <a:pPr marL="285739" indent="-285739">
+              <a:buFontTx/>
+              <a:buChar char="-"/>
+            </a:pPr>
+            <a:r>
+              <a:rPr lang="en-US" sz="2000" dirty="0" err="1"/>
+              <a:t>Tipe</a:t>
+            </a:r>
+            <a:r>
+              <a:rPr lang="en-US" sz="2000" dirty="0"/>
+              <a:t> pizza (</a:t>
+            </a:r>
+            <a:r>
+              <a:rPr lang="en-US" sz="2000" dirty="0" err="1"/>
+              <a:t>Nama</a:t>
+            </a:r>
+            <a:r>
+              <a:rPr lang="en-US" sz="2000" dirty="0"/>
+              <a:t> pizza, category, ingredient)</a:t>
+            </a:r>
+          </a:p>
+          <a:p>
+            <a:pPr marL="285739" indent="-285739">
+              <a:buFontTx/>
+              <a:buChar char="-"/>
+            </a:pPr>
+            <a:r>
+              <a:rPr lang="en-US" sz="2000" dirty="0" err="1"/>
+              <a:t>Harga</a:t>
+            </a:r>
+            <a:r>
+              <a:rPr lang="en-US" sz="2000" dirty="0"/>
+              <a:t> pizza</a:t>
+            </a:r>
+          </a:p>
+        </p:txBody>
+      </p:sp>
+      <p:sp>
+        <p:nvSpPr>
+          <p:cNvPr id="44" name="TextBox 43"/>
+          <p:cNvSpPr txBox="1"/>
+          <p:nvPr/>
+        </p:nvSpPr>
+        <p:spPr>
+          <a:xfrm>
+            <a:off x="13681078" y="812497"/>
+            <a:ext cx="4572001" cy="1015663"/>
+          </a:xfrm>
+          <a:prstGeom prst="rect">
+            <a:avLst/>
+          </a:prstGeom>
+          <a:noFill/>
+        </p:spPr>
+        <p:txBody>
+          <a:bodyPr wrap="square" rtlCol="0">
+            <a:spAutoFit/>
+          </a:bodyPr>
+          <a:lstStyle/>
+          <a:p>
+            <a:pPr marL="285739" indent="-285739">
+              <a:buFontTx/>
+              <a:buChar char="-"/>
+            </a:pPr>
+            <a:r>
+              <a:rPr lang="en-US" sz="2000" dirty="0" err="1"/>
+              <a:t>Ukuran</a:t>
+            </a:r>
+            <a:r>
+              <a:rPr lang="en-US" sz="2000" dirty="0"/>
+              <a:t> pizza</a:t>
+            </a:r>
+          </a:p>
+          <a:p>
+            <a:pPr marL="285739" indent="-285739">
+              <a:buFontTx/>
+              <a:buChar char="-"/>
+            </a:pPr>
+            <a:r>
+              <a:rPr lang="en-US" sz="2000" dirty="0"/>
+              <a:t>Date and Time purchase/</a:t>
+            </a:r>
+            <a:r>
+              <a:rPr lang="en-US" sz="2000" dirty="0" err="1"/>
+              <a:t>pembelian</a:t>
+            </a:r>
+            <a:endParaRPr lang="en-US" sz="2000" dirty="0"/>
+          </a:p>
+          <a:p>
+            <a:pPr marL="285739" indent="-285739">
+              <a:buFontTx/>
+              <a:buChar char="-"/>
+            </a:pPr>
+            <a:r>
+              <a:rPr lang="en-US" sz="2000" dirty="0"/>
+              <a:t>Order details</a:t>
+            </a:r>
+          </a:p>
+        </p:txBody>
+      </p:sp>
+      <p:sp>
+        <p:nvSpPr>
+          <p:cNvPr id="45" name="TextBox 44"/>
+          <p:cNvSpPr txBox="1"/>
+          <p:nvPr/>
+        </p:nvSpPr>
+        <p:spPr>
+          <a:xfrm>
+            <a:off x="8602242" y="2443783"/>
+            <a:ext cx="9452203" cy="400110"/>
+          </a:xfrm>
+          <a:prstGeom prst="rect">
+            <a:avLst/>
+          </a:prstGeom>
+          <a:noFill/>
+        </p:spPr>
+        <p:txBody>
+          <a:bodyPr wrap="none" rtlCol="0">
+            <a:spAutoFit/>
+          </a:bodyPr>
+          <a:lstStyle/>
+          <a:p>
+            <a:r>
+              <a:rPr lang="en-US" sz="2000" dirty="0" err="1"/>
+              <a:t>Bagaimana</a:t>
+            </a:r>
+            <a:r>
+              <a:rPr lang="en-US" sz="2000" dirty="0"/>
+              <a:t> </a:t>
+            </a:r>
+            <a:r>
+              <a:rPr lang="en-US" sz="2000" dirty="0" err="1"/>
+              <a:t>caranya</a:t>
+            </a:r>
+            <a:r>
+              <a:rPr lang="en-US" sz="2000" dirty="0"/>
+              <a:t> </a:t>
+            </a:r>
+            <a:r>
+              <a:rPr lang="en-US" sz="2000" dirty="0" err="1"/>
+              <a:t>meningkatkan</a:t>
+            </a:r>
+            <a:r>
+              <a:rPr lang="en-US" sz="2000" dirty="0"/>
+              <a:t> revenue product, 5% </a:t>
+            </a:r>
+            <a:r>
+              <a:rPr lang="en-US" sz="2000" dirty="0" err="1"/>
+              <a:t>dalam</a:t>
+            </a:r>
+            <a:r>
+              <a:rPr lang="en-US" sz="2000" dirty="0"/>
+              <a:t> </a:t>
+            </a:r>
+            <a:r>
+              <a:rPr lang="en-US" sz="2000" dirty="0" err="1"/>
+              <a:t>waktu</a:t>
+            </a:r>
+            <a:r>
+              <a:rPr lang="en-US" sz="2000" dirty="0"/>
+              <a:t> 1 </a:t>
+            </a:r>
+            <a:r>
+              <a:rPr lang="en-US" sz="2000" dirty="0" err="1"/>
+              <a:t>Quartal</a:t>
+            </a:r>
+            <a:r>
+              <a:rPr lang="en-US" sz="2000" dirty="0"/>
+              <a:t> </a:t>
+            </a:r>
+            <a:r>
+              <a:rPr lang="en-US" sz="2000" dirty="0" err="1"/>
+              <a:t>kedepan</a:t>
+            </a:r>
+            <a:r>
+              <a:rPr lang="en-US" sz="2000" dirty="0"/>
+              <a:t>. </a:t>
+            </a:r>
+          </a:p>
+        </p:txBody>
+      </p:sp>
+      <p:sp>
+        <p:nvSpPr>
+          <p:cNvPr id="46" name="TextBox 45"/>
+          <p:cNvSpPr txBox="1"/>
+          <p:nvPr/>
+        </p:nvSpPr>
+        <p:spPr>
+          <a:xfrm>
+            <a:off x="7185318" y="4832532"/>
+            <a:ext cx="2630405" cy="1631216"/>
+          </a:xfrm>
+          <a:prstGeom prst="rect">
+            <a:avLst/>
+          </a:prstGeom>
+          <a:noFill/>
+        </p:spPr>
+        <p:txBody>
+          <a:bodyPr wrap="square" rtlCol="0">
+            <a:spAutoFit/>
+          </a:bodyPr>
+          <a:lstStyle/>
+          <a:p>
+            <a:r>
+              <a:rPr lang="en-US" sz="2000" dirty="0" err="1"/>
+              <a:t>Bagaimana</a:t>
+            </a:r>
+            <a:r>
+              <a:rPr lang="en-US" sz="2000" dirty="0"/>
+              <a:t> </a:t>
+            </a:r>
+            <a:r>
+              <a:rPr lang="en-US" sz="2000" dirty="0" err="1"/>
+              <a:t>caranya</a:t>
+            </a:r>
+            <a:r>
+              <a:rPr lang="en-US" sz="2000" dirty="0"/>
+              <a:t> </a:t>
+            </a:r>
+            <a:r>
+              <a:rPr lang="en-US" sz="2000" dirty="0" err="1"/>
+              <a:t>meningkatkan</a:t>
+            </a:r>
+            <a:r>
+              <a:rPr lang="en-US" sz="2000" dirty="0"/>
+              <a:t> revenue product, 5% </a:t>
+            </a:r>
+            <a:r>
+              <a:rPr lang="en-US" sz="2000" dirty="0" err="1"/>
+              <a:t>dalam</a:t>
+            </a:r>
+            <a:r>
+              <a:rPr lang="en-US" sz="2000" dirty="0"/>
+              <a:t> </a:t>
+            </a:r>
+            <a:r>
+              <a:rPr lang="en-US" sz="2000" dirty="0" err="1"/>
+              <a:t>waktu</a:t>
+            </a:r>
+            <a:r>
+              <a:rPr lang="en-US" sz="2000" dirty="0"/>
+              <a:t> 1 </a:t>
+            </a:r>
+            <a:r>
+              <a:rPr lang="en-US" sz="2000" dirty="0" err="1"/>
+              <a:t>Quartal</a:t>
+            </a:r>
+            <a:r>
+              <a:rPr lang="en-US" sz="2000" dirty="0"/>
+              <a:t> </a:t>
+            </a:r>
+            <a:r>
+              <a:rPr lang="en-US" sz="2000" dirty="0" err="1"/>
+              <a:t>kedepan</a:t>
+            </a:r>
+            <a:r>
+              <a:rPr lang="en-US" sz="2000" dirty="0"/>
+              <a:t>. </a:t>
+            </a:r>
+          </a:p>
+        </p:txBody>
+      </p:sp>
+      <p:sp>
+        <p:nvSpPr>
+          <p:cNvPr id="49" name="Rectangle 48"/>
+          <p:cNvSpPr/>
+          <p:nvPr/>
+        </p:nvSpPr>
+        <p:spPr>
+          <a:xfrm>
+            <a:off x="10919829" y="4243605"/>
+            <a:ext cx="2761246" cy="757385"/>
+          </a:xfrm>
+          <a:prstGeom prst="rect">
+            <a:avLst/>
+          </a:prstGeom>
+          <a:noFill/>
+        </p:spPr>
+        <p:style>
+          <a:lnRef idx="2">
+            <a:schemeClr val="accent1">
+              <a:shade val="50000"/>
+            </a:schemeClr>
+          </a:lnRef>
+          <a:fillRef idx="1">
+            <a:schemeClr val="accent1"/>
+          </a:fillRef>
+          <a:effectRef idx="0">
+            <a:schemeClr val="accent1"/>
+          </a:effectRef>
+          <a:fontRef idx="minor">
+            <a:schemeClr val="lt1"/>
+          </a:fontRef>
+        </p:style>
+        <p:txBody>
+          <a:bodyPr rot="0" spcFirstLastPara="0" vertOverflow="overflow" horzOverflow="overflow" vert="horz" wrap="square" lIns="91440" tIns="45720" rIns="91440" bIns="45720" numCol="1" spcCol="0" rtlCol="0" fromWordArt="0" anchor="ctr" anchorCtr="0" forceAA="0" compatLnSpc="1">
+            <a:prstTxWarp prst="textNoShape">
+              <a:avLst/>
+            </a:prstTxWarp>
+            <a:noAutofit/>
+          </a:bodyPr>
+          <a:lstStyle/>
+          <a:p>
+            <a:pPr algn="ctr"/>
+            <a:endParaRPr lang="en-US" sz="2000"/>
+          </a:p>
+        </p:txBody>
+      </p:sp>
+      <p:sp>
+        <p:nvSpPr>
+          <p:cNvPr id="50" name="Rectangle 49"/>
+          <p:cNvSpPr/>
+          <p:nvPr/>
+        </p:nvSpPr>
+        <p:spPr>
+          <a:xfrm>
+            <a:off x="10919831" y="6688992"/>
+            <a:ext cx="2761247" cy="1153639"/>
+          </a:xfrm>
+          <a:prstGeom prst="rect">
+            <a:avLst/>
+          </a:prstGeom>
+          <a:noFill/>
+        </p:spPr>
+        <p:style>
+          <a:lnRef idx="2">
+            <a:schemeClr val="accent1">
+              <a:shade val="50000"/>
+            </a:schemeClr>
+          </a:lnRef>
+          <a:fillRef idx="1">
+            <a:schemeClr val="accent1"/>
+          </a:fillRef>
+          <a:effectRef idx="0">
+            <a:schemeClr val="accent1"/>
+          </a:effectRef>
+          <a:fontRef idx="minor">
+            <a:schemeClr val="lt1"/>
+          </a:fontRef>
+        </p:style>
+        <p:txBody>
+          <a:bodyPr rot="0" spcFirstLastPara="0" vertOverflow="overflow" horzOverflow="overflow" vert="horz" wrap="square" lIns="91440" tIns="45720" rIns="91440" bIns="45720" numCol="1" spcCol="0" rtlCol="0" fromWordArt="0" anchor="ctr" anchorCtr="0" forceAA="0" compatLnSpc="1">
+            <a:prstTxWarp prst="textNoShape">
+              <a:avLst/>
+            </a:prstTxWarp>
+            <a:noAutofit/>
+          </a:bodyPr>
+          <a:lstStyle/>
+          <a:p>
+            <a:pPr algn="ctr"/>
+            <a:endParaRPr lang="en-US" sz="2000"/>
+          </a:p>
+        </p:txBody>
+      </p:sp>
+      <p:sp>
+        <p:nvSpPr>
+          <p:cNvPr id="51" name="Rectangle 50"/>
+          <p:cNvSpPr/>
+          <p:nvPr/>
+        </p:nvSpPr>
+        <p:spPr>
+          <a:xfrm>
+            <a:off x="14444078" y="4790859"/>
+            <a:ext cx="5009148" cy="757385"/>
+          </a:xfrm>
+          <a:prstGeom prst="rect">
+            <a:avLst/>
+          </a:prstGeom>
+          <a:noFill/>
+        </p:spPr>
+        <p:style>
+          <a:lnRef idx="2">
+            <a:schemeClr val="accent1">
+              <a:shade val="50000"/>
+            </a:schemeClr>
+          </a:lnRef>
+          <a:fillRef idx="1">
+            <a:schemeClr val="accent1"/>
+          </a:fillRef>
+          <a:effectRef idx="0">
+            <a:schemeClr val="accent1"/>
+          </a:effectRef>
+          <a:fontRef idx="minor">
+            <a:schemeClr val="lt1"/>
+          </a:fontRef>
+        </p:style>
+        <p:txBody>
+          <a:bodyPr rot="0" spcFirstLastPara="0" vertOverflow="overflow" horzOverflow="overflow" vert="horz" wrap="square" lIns="91440" tIns="45720" rIns="91440" bIns="45720" numCol="1" spcCol="0" rtlCol="0" fromWordArt="0" anchor="ctr" anchorCtr="0" forceAA="0" compatLnSpc="1">
+            <a:prstTxWarp prst="textNoShape">
+              <a:avLst/>
+            </a:prstTxWarp>
+            <a:noAutofit/>
+          </a:bodyPr>
+          <a:lstStyle/>
+          <a:p>
+            <a:pPr algn="ctr"/>
+            <a:endParaRPr lang="en-US" sz="2000"/>
+          </a:p>
+        </p:txBody>
+      </p:sp>
+      <p:sp>
+        <p:nvSpPr>
+          <p:cNvPr id="52" name="Rectangle 51"/>
+          <p:cNvSpPr/>
+          <p:nvPr/>
+        </p:nvSpPr>
+        <p:spPr>
+          <a:xfrm>
+            <a:off x="14444078" y="3460205"/>
+            <a:ext cx="5009148" cy="757385"/>
+          </a:xfrm>
+          <a:prstGeom prst="rect">
+            <a:avLst/>
+          </a:prstGeom>
+          <a:noFill/>
+        </p:spPr>
+        <p:style>
+          <a:lnRef idx="2">
+            <a:schemeClr val="accent1">
+              <a:shade val="50000"/>
+            </a:schemeClr>
+          </a:lnRef>
+          <a:fillRef idx="1">
+            <a:schemeClr val="accent1"/>
+          </a:fillRef>
+          <a:effectRef idx="0">
+            <a:schemeClr val="accent1"/>
+          </a:effectRef>
+          <a:fontRef idx="minor">
+            <a:schemeClr val="lt1"/>
+          </a:fontRef>
+        </p:style>
+        <p:txBody>
+          <a:bodyPr rot="0" spcFirstLastPara="0" vertOverflow="overflow" horzOverflow="overflow" vert="horz" wrap="square" lIns="91440" tIns="45720" rIns="91440" bIns="45720" numCol="1" spcCol="0" rtlCol="0" fromWordArt="0" anchor="ctr" anchorCtr="0" forceAA="0" compatLnSpc="1">
+            <a:prstTxWarp prst="textNoShape">
+              <a:avLst/>
+            </a:prstTxWarp>
+            <a:noAutofit/>
+          </a:bodyPr>
+          <a:lstStyle/>
+          <a:p>
+            <a:pPr algn="ctr"/>
+            <a:endParaRPr lang="en-US" sz="2000"/>
+          </a:p>
+        </p:txBody>
+      </p:sp>
+      <p:sp>
+        <p:nvSpPr>
+          <p:cNvPr id="54" name="Rectangle 53"/>
+          <p:cNvSpPr/>
+          <p:nvPr/>
+        </p:nvSpPr>
+        <p:spPr>
+          <a:xfrm>
+            <a:off x="14444082" y="5754593"/>
+            <a:ext cx="5009147" cy="757385"/>
+          </a:xfrm>
+          <a:prstGeom prst="rect">
+            <a:avLst/>
+          </a:prstGeom>
+          <a:noFill/>
+        </p:spPr>
+        <p:style>
+          <a:lnRef idx="2">
+            <a:schemeClr val="accent1">
+              <a:shade val="50000"/>
+            </a:schemeClr>
+          </a:lnRef>
+          <a:fillRef idx="1">
+            <a:schemeClr val="accent1"/>
+          </a:fillRef>
+          <a:effectRef idx="0">
+            <a:schemeClr val="accent1"/>
+          </a:effectRef>
+          <a:fontRef idx="minor">
+            <a:schemeClr val="lt1"/>
+          </a:fontRef>
+        </p:style>
+        <p:txBody>
+          <a:bodyPr rot="0" spcFirstLastPara="0" vertOverflow="overflow" horzOverflow="overflow" vert="horz" wrap="square" lIns="91440" tIns="45720" rIns="91440" bIns="45720" numCol="1" spcCol="0" rtlCol="0" fromWordArt="0" anchor="ctr" anchorCtr="0" forceAA="0" compatLnSpc="1">
+            <a:prstTxWarp prst="textNoShape">
+              <a:avLst/>
+            </a:prstTxWarp>
+            <a:noAutofit/>
+          </a:bodyPr>
+          <a:lstStyle/>
+          <a:p>
+            <a:pPr algn="ctr"/>
+            <a:endParaRPr lang="en-US" sz="2000"/>
+          </a:p>
+        </p:txBody>
+      </p:sp>
+      <p:cxnSp>
+        <p:nvCxnSpPr>
+          <p:cNvPr id="56" name="Straight Arrow Connector 55"/>
+          <p:cNvCxnSpPr/>
+          <p:nvPr/>
+        </p:nvCxnSpPr>
+        <p:spPr>
+          <a:xfrm flipV="1">
+            <a:off x="10156826" y="4890205"/>
+            <a:ext cx="571500" cy="385167"/>
+          </a:xfrm>
+          <a:prstGeom prst="straightConnector1">
+            <a:avLst/>
+          </a:prstGeom>
+          <a:ln>
+            <a:tailEnd type="triangle"/>
+          </a:ln>
+        </p:spPr>
+        <p:style>
+          <a:lnRef idx="1">
+            <a:schemeClr val="accent1"/>
+          </a:lnRef>
+          <a:fillRef idx="0">
+            <a:schemeClr val="accent1"/>
+          </a:fillRef>
+          <a:effectRef idx="0">
+            <a:schemeClr val="accent1"/>
+          </a:effectRef>
+          <a:fontRef idx="minor">
+            <a:schemeClr val="tx1"/>
+          </a:fontRef>
+        </p:style>
+      </p:cxnSp>
+      <p:cxnSp>
+        <p:nvCxnSpPr>
+          <p:cNvPr id="57" name="Straight Arrow Connector 56"/>
+          <p:cNvCxnSpPr/>
+          <p:nvPr/>
+        </p:nvCxnSpPr>
+        <p:spPr>
+          <a:xfrm>
+            <a:off x="10045614" y="6480665"/>
+            <a:ext cx="682712" cy="554260"/>
+          </a:xfrm>
+          <a:prstGeom prst="straightConnector1">
+            <a:avLst/>
+          </a:prstGeom>
+          <a:ln>
+            <a:tailEnd type="triangle"/>
+          </a:ln>
+        </p:spPr>
+        <p:style>
+          <a:lnRef idx="1">
+            <a:schemeClr val="accent1"/>
+          </a:lnRef>
+          <a:fillRef idx="0">
+            <a:schemeClr val="accent1"/>
+          </a:fillRef>
+          <a:effectRef idx="0">
+            <a:schemeClr val="accent1"/>
+          </a:effectRef>
+          <a:fontRef idx="minor">
+            <a:schemeClr val="tx1"/>
+          </a:fontRef>
+        </p:style>
+      </p:cxnSp>
+      <p:cxnSp>
+        <p:nvCxnSpPr>
+          <p:cNvPr id="60" name="Straight Arrow Connector 59"/>
+          <p:cNvCxnSpPr/>
+          <p:nvPr/>
+        </p:nvCxnSpPr>
+        <p:spPr>
+          <a:xfrm flipV="1">
+            <a:off x="13815931" y="4128181"/>
+            <a:ext cx="571500" cy="385167"/>
+          </a:xfrm>
+          <a:prstGeom prst="straightConnector1">
+            <a:avLst/>
+          </a:prstGeom>
+          <a:ln>
+            <a:tailEnd type="triangle"/>
+          </a:ln>
+        </p:spPr>
+        <p:style>
+          <a:lnRef idx="1">
+            <a:schemeClr val="accent1"/>
+          </a:lnRef>
+          <a:fillRef idx="0">
+            <a:schemeClr val="accent1"/>
+          </a:fillRef>
+          <a:effectRef idx="0">
+            <a:schemeClr val="accent1"/>
+          </a:effectRef>
+          <a:fontRef idx="minor">
+            <a:schemeClr val="tx1"/>
+          </a:fontRef>
+        </p:style>
+      </p:cxnSp>
+      <p:cxnSp>
+        <p:nvCxnSpPr>
+          <p:cNvPr id="61" name="Straight Arrow Connector 60"/>
+          <p:cNvCxnSpPr/>
+          <p:nvPr/>
+        </p:nvCxnSpPr>
+        <p:spPr>
+          <a:xfrm>
+            <a:off x="13815931" y="4628773"/>
+            <a:ext cx="571500" cy="646599"/>
+          </a:xfrm>
+          <a:prstGeom prst="straightConnector1">
+            <a:avLst/>
+          </a:prstGeom>
+          <a:ln>
+            <a:tailEnd type="triangle"/>
+          </a:ln>
+        </p:spPr>
+        <p:style>
+          <a:lnRef idx="1">
+            <a:schemeClr val="accent1"/>
+          </a:lnRef>
+          <a:fillRef idx="0">
+            <a:schemeClr val="accent1"/>
+          </a:fillRef>
+          <a:effectRef idx="0">
+            <a:schemeClr val="accent1"/>
+          </a:effectRef>
+          <a:fontRef idx="minor">
+            <a:schemeClr val="tx1"/>
+          </a:fontRef>
+        </p:style>
+      </p:cxnSp>
+      <p:cxnSp>
+        <p:nvCxnSpPr>
+          <p:cNvPr id="63" name="Straight Arrow Connector 62"/>
+          <p:cNvCxnSpPr/>
+          <p:nvPr/>
+        </p:nvCxnSpPr>
+        <p:spPr>
+          <a:xfrm flipV="1">
+            <a:off x="13794873" y="7381002"/>
+            <a:ext cx="613114" cy="0"/>
+          </a:xfrm>
+          <a:prstGeom prst="straightConnector1">
+            <a:avLst/>
+          </a:prstGeom>
+          <a:ln>
+            <a:tailEnd type="triangle"/>
+          </a:ln>
+        </p:spPr>
+        <p:style>
+          <a:lnRef idx="1">
+            <a:schemeClr val="accent1"/>
+          </a:lnRef>
+          <a:fillRef idx="0">
+            <a:schemeClr val="accent1"/>
+          </a:fillRef>
+          <a:effectRef idx="0">
+            <a:schemeClr val="accent1"/>
+          </a:effectRef>
+          <a:fontRef idx="minor">
+            <a:schemeClr val="tx1"/>
+          </a:fontRef>
+        </p:style>
+      </p:cxnSp>
+      <p:cxnSp>
+        <p:nvCxnSpPr>
+          <p:cNvPr id="64" name="Straight Arrow Connector 63"/>
+          <p:cNvCxnSpPr/>
+          <p:nvPr/>
+        </p:nvCxnSpPr>
+        <p:spPr>
+          <a:xfrm flipV="1">
+            <a:off x="13809184" y="6212439"/>
+            <a:ext cx="492272" cy="1168565"/>
+          </a:xfrm>
+          <a:prstGeom prst="straightConnector1">
+            <a:avLst/>
+          </a:prstGeom>
+          <a:ln>
+            <a:tailEnd type="triangle"/>
+          </a:ln>
+        </p:spPr>
+        <p:style>
+          <a:lnRef idx="1">
+            <a:schemeClr val="accent1"/>
+          </a:lnRef>
+          <a:fillRef idx="0">
+            <a:schemeClr val="accent1"/>
+          </a:fillRef>
+          <a:effectRef idx="0">
+            <a:schemeClr val="accent1"/>
+          </a:effectRef>
+          <a:fontRef idx="minor">
+            <a:schemeClr val="tx1"/>
+          </a:fontRef>
+        </p:style>
+      </p:cxnSp>
+      <p:sp>
+        <p:nvSpPr>
+          <p:cNvPr id="66" name="TextBox 65"/>
+          <p:cNvSpPr txBox="1"/>
+          <p:nvPr/>
+        </p:nvSpPr>
+        <p:spPr>
+          <a:xfrm>
+            <a:off x="11033629" y="4244208"/>
+            <a:ext cx="2761247" cy="707886"/>
+          </a:xfrm>
+          <a:prstGeom prst="rect">
+            <a:avLst/>
+          </a:prstGeom>
+          <a:noFill/>
+        </p:spPr>
+        <p:txBody>
+          <a:bodyPr wrap="square" rtlCol="0">
+            <a:spAutoFit/>
+          </a:bodyPr>
+          <a:lstStyle/>
+          <a:p>
+            <a:r>
+              <a:rPr lang="en-US" sz="2000" dirty="0"/>
+              <a:t>Capitalize best selling product</a:t>
+            </a:r>
+          </a:p>
+        </p:txBody>
+      </p:sp>
+      <p:sp>
+        <p:nvSpPr>
+          <p:cNvPr id="68" name="TextBox 67"/>
+          <p:cNvSpPr txBox="1"/>
+          <p:nvPr/>
+        </p:nvSpPr>
+        <p:spPr>
+          <a:xfrm>
+            <a:off x="14590808" y="5948381"/>
+            <a:ext cx="4405221" cy="400110"/>
+          </a:xfrm>
+          <a:prstGeom prst="rect">
+            <a:avLst/>
+          </a:prstGeom>
+          <a:noFill/>
+        </p:spPr>
+        <p:txBody>
+          <a:bodyPr wrap="square" rtlCol="0">
+            <a:spAutoFit/>
+          </a:bodyPr>
+          <a:lstStyle/>
+          <a:p>
+            <a:r>
+              <a:rPr lang="en-US" sz="2000" dirty="0"/>
+              <a:t>Determine best time and worst time</a:t>
+            </a:r>
+          </a:p>
+        </p:txBody>
+      </p:sp>
+      <p:sp>
+        <p:nvSpPr>
+          <p:cNvPr id="69" name="TextBox 68"/>
+          <p:cNvSpPr txBox="1"/>
+          <p:nvPr/>
+        </p:nvSpPr>
+        <p:spPr>
+          <a:xfrm>
+            <a:off x="11100868" y="6739124"/>
+            <a:ext cx="2306154" cy="1015663"/>
+          </a:xfrm>
+          <a:prstGeom prst="rect">
+            <a:avLst/>
+          </a:prstGeom>
+          <a:noFill/>
+        </p:spPr>
+        <p:txBody>
+          <a:bodyPr wrap="square" rtlCol="0">
+            <a:spAutoFit/>
+          </a:bodyPr>
+          <a:lstStyle/>
+          <a:p>
+            <a:r>
+              <a:rPr lang="en-US" sz="2000" dirty="0"/>
+              <a:t>Improve Operational Efficiency</a:t>
+            </a:r>
+          </a:p>
+        </p:txBody>
+      </p:sp>
+      <p:cxnSp>
+        <p:nvCxnSpPr>
+          <p:cNvPr id="72" name="Straight Arrow Connector 71"/>
+          <p:cNvCxnSpPr/>
+          <p:nvPr/>
+        </p:nvCxnSpPr>
+        <p:spPr>
+          <a:xfrm>
+            <a:off x="13785069" y="7381005"/>
+            <a:ext cx="602365" cy="1163865"/>
+          </a:xfrm>
+          <a:prstGeom prst="straightConnector1">
+            <a:avLst/>
+          </a:prstGeom>
+          <a:ln>
+            <a:tailEnd type="triangle"/>
+          </a:ln>
+        </p:spPr>
+        <p:style>
+          <a:lnRef idx="1">
+            <a:schemeClr val="accent1"/>
+          </a:lnRef>
+          <a:fillRef idx="0">
+            <a:schemeClr val="accent1"/>
+          </a:fillRef>
+          <a:effectRef idx="0">
+            <a:schemeClr val="accent1"/>
+          </a:effectRef>
+          <a:fontRef idx="minor">
+            <a:schemeClr val="tx1"/>
+          </a:fontRef>
+        </p:style>
+      </p:cxnSp>
       <p:grpSp>
         <p:nvGrpSpPr>
-          <p:cNvPr id="88" name="Group 87"/>
+          <p:cNvPr id="82" name="Group 81"/>
           <p:cNvGrpSpPr/>
           <p:nvPr/>
         </p:nvGrpSpPr>
         <p:grpSpPr>
           <a:xfrm>
-            <a:off x="1230309" y="325732"/>
-            <a:ext cx="12495217" cy="8530960"/>
-            <a:chOff x="-703267" y="182857"/>
-            <a:chExt cx="12495217" cy="8424867"/>
+            <a:off x="14484692" y="6894026"/>
+            <a:ext cx="4968534" cy="1962669"/>
+            <a:chOff x="6782803" y="6775288"/>
+            <a:chExt cx="2463960" cy="1914156"/>
           </a:xfrm>
         </p:grpSpPr>
         <p:sp>
           <p:nvSpPr>
-            <p:cNvPr id="4" name="TextBox 3"/>
-            <p:cNvSpPr txBox="1"/>
-            <p:nvPr/>
-          </p:nvSpPr>
-          <p:spPr>
-            <a:xfrm>
-              <a:off x="750463" y="182857"/>
-              <a:ext cx="2922723" cy="395134"/>
-            </a:xfrm>
-            <a:prstGeom prst="rect">
-              <a:avLst/>
-            </a:prstGeom>
-            <a:noFill/>
-          </p:spPr>
-          <p:txBody>
-            <a:bodyPr wrap="none" rtlCol="0">
-              <a:spAutoFit/>
-            </a:bodyPr>
-            <a:lstStyle/>
-            <a:p>
-              <a:r>
-                <a:rPr lang="en-US" sz="2000" dirty="0"/>
-                <a:t>1. Understanding the Data</a:t>
-              </a:r>
-            </a:p>
-          </p:txBody>
-        </p:sp>
-        <p:sp>
-          <p:nvSpPr>
-            <p:cNvPr id="5" name="TextBox 4"/>
-            <p:cNvSpPr txBox="1"/>
-            <p:nvPr/>
-          </p:nvSpPr>
-          <p:spPr>
-            <a:xfrm>
-              <a:off x="750463" y="1777692"/>
-              <a:ext cx="3389711" cy="395134"/>
-            </a:xfrm>
-            <a:prstGeom prst="rect">
-              <a:avLst/>
-            </a:prstGeom>
-            <a:noFill/>
-          </p:spPr>
-          <p:txBody>
-            <a:bodyPr wrap="none" rtlCol="0">
-              <a:spAutoFit/>
-            </a:bodyPr>
-            <a:lstStyle/>
-            <a:p>
-              <a:r>
-                <a:rPr lang="en-US" sz="2000" dirty="0"/>
-                <a:t>2. Defining Problem Statement</a:t>
-              </a:r>
-            </a:p>
-          </p:txBody>
-        </p:sp>
-        <p:sp>
-          <p:nvSpPr>
-            <p:cNvPr id="6" name="TextBox 5"/>
-            <p:cNvSpPr txBox="1"/>
-            <p:nvPr/>
-          </p:nvSpPr>
-          <p:spPr>
-            <a:xfrm>
-              <a:off x="750463" y="2870518"/>
-              <a:ext cx="2306978" cy="395134"/>
-            </a:xfrm>
-            <a:prstGeom prst="rect">
-              <a:avLst/>
-            </a:prstGeom>
-            <a:noFill/>
-          </p:spPr>
-          <p:txBody>
-            <a:bodyPr wrap="none" rtlCol="0">
-              <a:spAutoFit/>
-            </a:bodyPr>
-            <a:lstStyle/>
-            <a:p>
-              <a:r>
-                <a:rPr lang="en-US" sz="2000" dirty="0"/>
-                <a:t>3. Making Issue Tree</a:t>
-              </a:r>
-            </a:p>
-          </p:txBody>
-        </p:sp>
-        <p:sp>
-          <p:nvSpPr>
-            <p:cNvPr id="43" name="TextBox 42"/>
-            <p:cNvSpPr txBox="1"/>
-            <p:nvPr/>
-          </p:nvSpPr>
-          <p:spPr>
-            <a:xfrm>
-              <a:off x="940963" y="663566"/>
-              <a:ext cx="5092933" cy="1003032"/>
-            </a:xfrm>
-            <a:prstGeom prst="rect">
-              <a:avLst/>
-            </a:prstGeom>
-            <a:noFill/>
-          </p:spPr>
-          <p:txBody>
-            <a:bodyPr wrap="none" rtlCol="0">
-              <a:spAutoFit/>
-            </a:bodyPr>
-            <a:lstStyle/>
-            <a:p>
-              <a:pPr marL="285739" indent="-285739">
-                <a:buFontTx/>
-                <a:buChar char="-"/>
-              </a:pPr>
-              <a:r>
-                <a:rPr lang="en-US" sz="2000" dirty="0" err="1"/>
-                <a:t>Jumlah</a:t>
-              </a:r>
-              <a:r>
-                <a:rPr lang="en-US" sz="2000" dirty="0"/>
-                <a:t> </a:t>
-              </a:r>
-              <a:r>
-                <a:rPr lang="en-US" sz="2000" dirty="0" err="1"/>
-                <a:t>penjualan</a:t>
-              </a:r>
-              <a:r>
-                <a:rPr lang="en-US" sz="2000" dirty="0"/>
-                <a:t> pizza</a:t>
-              </a:r>
-            </a:p>
-            <a:p>
-              <a:pPr marL="285739" indent="-285739">
-                <a:buFontTx/>
-                <a:buChar char="-"/>
-              </a:pPr>
-              <a:r>
-                <a:rPr lang="en-US" sz="2000" dirty="0" err="1"/>
-                <a:t>Tipe</a:t>
-              </a:r>
-              <a:r>
-                <a:rPr lang="en-US" sz="2000" dirty="0"/>
-                <a:t> pizza (</a:t>
-              </a:r>
-              <a:r>
-                <a:rPr lang="en-US" sz="2000" dirty="0" err="1"/>
-                <a:t>Nama</a:t>
-              </a:r>
-              <a:r>
-                <a:rPr lang="en-US" sz="2000" dirty="0"/>
-                <a:t> pizza, category, ingredient)</a:t>
-              </a:r>
-            </a:p>
-            <a:p>
-              <a:pPr marL="285739" indent="-285739">
-                <a:buFontTx/>
-                <a:buChar char="-"/>
-              </a:pPr>
-              <a:r>
-                <a:rPr lang="en-US" sz="2000" dirty="0" err="1"/>
-                <a:t>Harga</a:t>
-              </a:r>
-              <a:r>
-                <a:rPr lang="en-US" sz="2000" dirty="0"/>
-                <a:t> pizza</a:t>
-              </a:r>
-            </a:p>
-          </p:txBody>
-        </p:sp>
-        <p:sp>
-          <p:nvSpPr>
-            <p:cNvPr id="44" name="TextBox 43"/>
-            <p:cNvSpPr txBox="1"/>
-            <p:nvPr/>
-          </p:nvSpPr>
-          <p:spPr>
-            <a:xfrm>
-              <a:off x="6019799" y="663566"/>
-              <a:ext cx="4572001" cy="1003032"/>
-            </a:xfrm>
-            <a:prstGeom prst="rect">
-              <a:avLst/>
-            </a:prstGeom>
-            <a:noFill/>
-          </p:spPr>
-          <p:txBody>
-            <a:bodyPr wrap="square" rtlCol="0">
-              <a:spAutoFit/>
-            </a:bodyPr>
-            <a:lstStyle/>
-            <a:p>
-              <a:pPr marL="285739" indent="-285739">
-                <a:buFontTx/>
-                <a:buChar char="-"/>
-              </a:pPr>
-              <a:r>
-                <a:rPr lang="en-US" sz="2000" dirty="0" err="1"/>
-                <a:t>Ukuran</a:t>
-              </a:r>
-              <a:r>
-                <a:rPr lang="en-US" sz="2000" dirty="0"/>
-                <a:t> pizza</a:t>
-              </a:r>
-            </a:p>
-            <a:p>
-              <a:pPr marL="285739" indent="-285739">
-                <a:buFontTx/>
-                <a:buChar char="-"/>
-              </a:pPr>
-              <a:r>
-                <a:rPr lang="en-US" sz="2000" dirty="0"/>
-                <a:t>Date and Time purchase/</a:t>
-              </a:r>
-              <a:r>
-                <a:rPr lang="en-US" sz="2000" dirty="0" err="1"/>
-                <a:t>pembelian</a:t>
-              </a:r>
-              <a:endParaRPr lang="en-US" sz="2000" dirty="0"/>
-            </a:p>
-            <a:p>
-              <a:pPr marL="285739" indent="-285739">
-                <a:buFontTx/>
-                <a:buChar char="-"/>
-              </a:pPr>
-              <a:r>
-                <a:rPr lang="en-US" sz="2000" dirty="0"/>
-                <a:t>Order details</a:t>
-              </a:r>
-            </a:p>
-          </p:txBody>
-        </p:sp>
-        <p:sp>
-          <p:nvSpPr>
-            <p:cNvPr id="45" name="TextBox 44"/>
-            <p:cNvSpPr txBox="1"/>
-            <p:nvPr/>
-          </p:nvSpPr>
-          <p:spPr>
-            <a:xfrm>
-              <a:off x="940963" y="2274567"/>
-              <a:ext cx="9452203" cy="395134"/>
-            </a:xfrm>
-            <a:prstGeom prst="rect">
-              <a:avLst/>
-            </a:prstGeom>
-            <a:noFill/>
-          </p:spPr>
-          <p:txBody>
-            <a:bodyPr wrap="none" rtlCol="0">
-              <a:spAutoFit/>
-            </a:bodyPr>
-            <a:lstStyle/>
-            <a:p>
-              <a:r>
-                <a:rPr lang="en-US" sz="2000" dirty="0" err="1"/>
-                <a:t>Bagaimana</a:t>
-              </a:r>
-              <a:r>
-                <a:rPr lang="en-US" sz="2000" dirty="0"/>
-                <a:t> </a:t>
-              </a:r>
-              <a:r>
-                <a:rPr lang="en-US" sz="2000" dirty="0" err="1"/>
-                <a:t>caranya</a:t>
-              </a:r>
-              <a:r>
-                <a:rPr lang="en-US" sz="2000" dirty="0"/>
-                <a:t> </a:t>
-              </a:r>
-              <a:r>
-                <a:rPr lang="en-US" sz="2000" dirty="0" err="1"/>
-                <a:t>meningkatkan</a:t>
-              </a:r>
-              <a:r>
-                <a:rPr lang="en-US" sz="2000" dirty="0"/>
-                <a:t> revenue product, 5% </a:t>
-              </a:r>
-              <a:r>
-                <a:rPr lang="en-US" sz="2000" dirty="0" err="1"/>
-                <a:t>dalam</a:t>
-              </a:r>
-              <a:r>
-                <a:rPr lang="en-US" sz="2000" dirty="0"/>
-                <a:t> </a:t>
-              </a:r>
-              <a:r>
-                <a:rPr lang="en-US" sz="2000" dirty="0" err="1"/>
-                <a:t>waktu</a:t>
-              </a:r>
-              <a:r>
-                <a:rPr lang="en-US" sz="2000" dirty="0"/>
-                <a:t> 1 </a:t>
-              </a:r>
-              <a:r>
-                <a:rPr lang="en-US" sz="2000" dirty="0" err="1"/>
-                <a:t>Quartal</a:t>
-              </a:r>
-              <a:r>
-                <a:rPr lang="en-US" sz="2000" dirty="0"/>
-                <a:t> </a:t>
-              </a:r>
-              <a:r>
-                <a:rPr lang="en-US" sz="2000" dirty="0" err="1"/>
-                <a:t>kedepan</a:t>
-              </a:r>
-              <a:r>
-                <a:rPr lang="en-US" sz="2000" dirty="0"/>
-                <a:t>. </a:t>
-              </a:r>
-              <a:endParaRPr lang="en-US" sz="2000" dirty="0"/>
-            </a:p>
-          </p:txBody>
-        </p:sp>
-        <p:sp>
-          <p:nvSpPr>
-            <p:cNvPr id="46" name="TextBox 45"/>
-            <p:cNvSpPr txBox="1"/>
-            <p:nvPr/>
-          </p:nvSpPr>
-          <p:spPr>
-            <a:xfrm>
-              <a:off x="-475961" y="4633609"/>
-              <a:ext cx="2630405" cy="1610930"/>
-            </a:xfrm>
-            <a:prstGeom prst="rect">
-              <a:avLst/>
-            </a:prstGeom>
-            <a:noFill/>
-          </p:spPr>
-          <p:txBody>
-            <a:bodyPr wrap="square" rtlCol="0">
-              <a:spAutoFit/>
-            </a:bodyPr>
-            <a:lstStyle/>
-            <a:p>
-              <a:r>
-                <a:rPr lang="en-US" sz="2000" dirty="0" err="1"/>
-                <a:t>Bagaimana</a:t>
-              </a:r>
-              <a:r>
-                <a:rPr lang="en-US" sz="2000" dirty="0"/>
-                <a:t> </a:t>
-              </a:r>
-              <a:r>
-                <a:rPr lang="en-US" sz="2000" dirty="0" err="1"/>
-                <a:t>caranya</a:t>
-              </a:r>
-              <a:r>
-                <a:rPr lang="en-US" sz="2000" dirty="0"/>
-                <a:t> </a:t>
-              </a:r>
-              <a:r>
-                <a:rPr lang="en-US" sz="2000" dirty="0" err="1"/>
-                <a:t>meningkatkan</a:t>
-              </a:r>
-              <a:r>
-                <a:rPr lang="en-US" sz="2000" dirty="0"/>
-                <a:t> revenue product, 5% </a:t>
-              </a:r>
-              <a:r>
-                <a:rPr lang="en-US" sz="2000" dirty="0" err="1"/>
-                <a:t>dalam</a:t>
-              </a:r>
-              <a:r>
-                <a:rPr lang="en-US" sz="2000" dirty="0"/>
-                <a:t> </a:t>
-              </a:r>
-              <a:r>
-                <a:rPr lang="en-US" sz="2000" dirty="0" err="1"/>
-                <a:t>waktu</a:t>
-              </a:r>
-              <a:r>
-                <a:rPr lang="en-US" sz="2000" dirty="0"/>
-                <a:t> 1 </a:t>
-              </a:r>
-              <a:r>
-                <a:rPr lang="en-US" sz="2000" dirty="0" err="1"/>
-                <a:t>Quartal</a:t>
-              </a:r>
-              <a:r>
-                <a:rPr lang="en-US" sz="2000" dirty="0"/>
-                <a:t> </a:t>
-              </a:r>
-              <a:r>
-                <a:rPr lang="en-US" sz="2000" dirty="0" err="1"/>
-                <a:t>kedepan</a:t>
-              </a:r>
-              <a:r>
-                <a:rPr lang="en-US" sz="2000" dirty="0"/>
-                <a:t>. </a:t>
-              </a:r>
-            </a:p>
-          </p:txBody>
-        </p:sp>
-        <p:sp>
-          <p:nvSpPr>
-            <p:cNvPr id="49" name="Rectangle 48"/>
+            <p:cNvPr id="53" name="Rectangle 52"/>
             <p:cNvSpPr/>
             <p:nvPr/>
           </p:nvSpPr>
           <p:spPr>
             <a:xfrm>
-              <a:off x="3258553" y="4052003"/>
-              <a:ext cx="2761246" cy="747966"/>
+              <a:off x="6782803" y="6775288"/>
+              <a:ext cx="2463960" cy="738664"/>
             </a:xfrm>
             <a:prstGeom prst="rect">
               <a:avLst/>
@@ -3423,396 +3976,14 @@
         </p:sp>
         <p:sp>
           <p:nvSpPr>
-            <p:cNvPr id="50" name="Rectangle 49"/>
-            <p:cNvSpPr/>
-            <p:nvPr/>
-          </p:nvSpPr>
-          <p:spPr>
-            <a:xfrm>
-              <a:off x="3258552" y="6466979"/>
-              <a:ext cx="2761247" cy="1139292"/>
-            </a:xfrm>
-            <a:prstGeom prst="rect">
-              <a:avLst/>
-            </a:prstGeom>
-            <a:noFill/>
-          </p:spPr>
-          <p:style>
-            <a:lnRef idx="2">
-              <a:schemeClr val="accent1">
-                <a:shade val="50000"/>
-              </a:schemeClr>
-            </a:lnRef>
-            <a:fillRef idx="1">
-              <a:schemeClr val="accent1"/>
-            </a:fillRef>
-            <a:effectRef idx="0">
-              <a:schemeClr val="accent1"/>
-            </a:effectRef>
-            <a:fontRef idx="minor">
-              <a:schemeClr val="lt1"/>
-            </a:fontRef>
-          </p:style>
-          <p:txBody>
-            <a:bodyPr rot="0" spcFirstLastPara="0" vertOverflow="overflow" horzOverflow="overflow" vert="horz" wrap="square" lIns="91440" tIns="45720" rIns="91440" bIns="45720" numCol="1" spcCol="0" rtlCol="0" fromWordArt="0" anchor="ctr" anchorCtr="0" forceAA="0" compatLnSpc="1">
-              <a:prstTxWarp prst="textNoShape">
-                <a:avLst/>
-              </a:prstTxWarp>
-              <a:noAutofit/>
-            </a:bodyPr>
-            <a:lstStyle/>
-            <a:p>
-              <a:pPr algn="ctr"/>
-              <a:endParaRPr lang="en-US" sz="2000"/>
-            </a:p>
-          </p:txBody>
-        </p:sp>
-        <p:sp>
-          <p:nvSpPr>
-            <p:cNvPr id="51" name="Rectangle 50"/>
-            <p:cNvSpPr/>
-            <p:nvPr/>
-          </p:nvSpPr>
-          <p:spPr>
-            <a:xfrm>
-              <a:off x="6782802" y="4592452"/>
-              <a:ext cx="5009148" cy="747966"/>
-            </a:xfrm>
-            <a:prstGeom prst="rect">
-              <a:avLst/>
-            </a:prstGeom>
-            <a:noFill/>
-          </p:spPr>
-          <p:style>
-            <a:lnRef idx="2">
-              <a:schemeClr val="accent1">
-                <a:shade val="50000"/>
-              </a:schemeClr>
-            </a:lnRef>
-            <a:fillRef idx="1">
-              <a:schemeClr val="accent1"/>
-            </a:fillRef>
-            <a:effectRef idx="0">
-              <a:schemeClr val="accent1"/>
-            </a:effectRef>
-            <a:fontRef idx="minor">
-              <a:schemeClr val="lt1"/>
-            </a:fontRef>
-          </p:style>
-          <p:txBody>
-            <a:bodyPr rot="0" spcFirstLastPara="0" vertOverflow="overflow" horzOverflow="overflow" vert="horz" wrap="square" lIns="91440" tIns="45720" rIns="91440" bIns="45720" numCol="1" spcCol="0" rtlCol="0" fromWordArt="0" anchor="ctr" anchorCtr="0" forceAA="0" compatLnSpc="1">
-              <a:prstTxWarp prst="textNoShape">
-                <a:avLst/>
-              </a:prstTxWarp>
-              <a:noAutofit/>
-            </a:bodyPr>
-            <a:lstStyle/>
-            <a:p>
-              <a:pPr algn="ctr"/>
-              <a:endParaRPr lang="en-US" sz="2000"/>
-            </a:p>
-          </p:txBody>
-        </p:sp>
-        <p:sp>
-          <p:nvSpPr>
-            <p:cNvPr id="52" name="Rectangle 51"/>
-            <p:cNvSpPr/>
-            <p:nvPr/>
-          </p:nvSpPr>
-          <p:spPr>
-            <a:xfrm>
-              <a:off x="6782802" y="3278346"/>
-              <a:ext cx="5009148" cy="747966"/>
-            </a:xfrm>
-            <a:prstGeom prst="rect">
-              <a:avLst/>
-            </a:prstGeom>
-            <a:noFill/>
-          </p:spPr>
-          <p:style>
-            <a:lnRef idx="2">
-              <a:schemeClr val="accent1">
-                <a:shade val="50000"/>
-              </a:schemeClr>
-            </a:lnRef>
-            <a:fillRef idx="1">
-              <a:schemeClr val="accent1"/>
-            </a:fillRef>
-            <a:effectRef idx="0">
-              <a:schemeClr val="accent1"/>
-            </a:effectRef>
-            <a:fontRef idx="minor">
-              <a:schemeClr val="lt1"/>
-            </a:fontRef>
-          </p:style>
-          <p:txBody>
-            <a:bodyPr rot="0" spcFirstLastPara="0" vertOverflow="overflow" horzOverflow="overflow" vert="horz" wrap="square" lIns="91440" tIns="45720" rIns="91440" bIns="45720" numCol="1" spcCol="0" rtlCol="0" fromWordArt="0" anchor="ctr" anchorCtr="0" forceAA="0" compatLnSpc="1">
-              <a:prstTxWarp prst="textNoShape">
-                <a:avLst/>
-              </a:prstTxWarp>
-              <a:noAutofit/>
-            </a:bodyPr>
-            <a:lstStyle/>
-            <a:p>
-              <a:pPr algn="ctr"/>
-              <a:endParaRPr lang="en-US" sz="2000"/>
-            </a:p>
-          </p:txBody>
-        </p:sp>
-        <p:sp>
-          <p:nvSpPr>
-            <p:cNvPr id="54" name="Rectangle 53"/>
-            <p:cNvSpPr/>
-            <p:nvPr/>
-          </p:nvSpPr>
-          <p:spPr>
-            <a:xfrm>
-              <a:off x="6782803" y="5544200"/>
-              <a:ext cx="5009147" cy="747966"/>
-            </a:xfrm>
-            <a:prstGeom prst="rect">
-              <a:avLst/>
-            </a:prstGeom>
-            <a:noFill/>
-          </p:spPr>
-          <p:style>
-            <a:lnRef idx="2">
-              <a:schemeClr val="accent1">
-                <a:shade val="50000"/>
-              </a:schemeClr>
-            </a:lnRef>
-            <a:fillRef idx="1">
-              <a:schemeClr val="accent1"/>
-            </a:fillRef>
-            <a:effectRef idx="0">
-              <a:schemeClr val="accent1"/>
-            </a:effectRef>
-            <a:fontRef idx="minor">
-              <a:schemeClr val="lt1"/>
-            </a:fontRef>
-          </p:style>
-          <p:txBody>
-            <a:bodyPr rot="0" spcFirstLastPara="0" vertOverflow="overflow" horzOverflow="overflow" vert="horz" wrap="square" lIns="91440" tIns="45720" rIns="91440" bIns="45720" numCol="1" spcCol="0" rtlCol="0" fromWordArt="0" anchor="ctr" anchorCtr="0" forceAA="0" compatLnSpc="1">
-              <a:prstTxWarp prst="textNoShape">
-                <a:avLst/>
-              </a:prstTxWarp>
-              <a:noAutofit/>
-            </a:bodyPr>
-            <a:lstStyle/>
-            <a:p>
-              <a:pPr algn="ctr"/>
-              <a:endParaRPr lang="en-US" sz="2000"/>
-            </a:p>
-          </p:txBody>
-        </p:sp>
-        <p:cxnSp>
-          <p:nvCxnSpPr>
-            <p:cNvPr id="56" name="Straight Arrow Connector 55"/>
-            <p:cNvCxnSpPr/>
-            <p:nvPr/>
-          </p:nvCxnSpPr>
-          <p:spPr>
-            <a:xfrm flipV="1">
-              <a:off x="2495550" y="4690562"/>
-              <a:ext cx="571500" cy="380377"/>
-            </a:xfrm>
-            <a:prstGeom prst="straightConnector1">
-              <a:avLst/>
-            </a:prstGeom>
-            <a:ln>
-              <a:tailEnd type="triangle"/>
-            </a:ln>
-          </p:spPr>
-          <p:style>
-            <a:lnRef idx="1">
-              <a:schemeClr val="accent1"/>
-            </a:lnRef>
-            <a:fillRef idx="0">
-              <a:schemeClr val="accent1"/>
-            </a:fillRef>
-            <a:effectRef idx="0">
-              <a:schemeClr val="accent1"/>
-            </a:effectRef>
-            <a:fontRef idx="minor">
-              <a:schemeClr val="tx1"/>
-            </a:fontRef>
-          </p:style>
-        </p:cxnSp>
-        <p:cxnSp>
-          <p:nvCxnSpPr>
-            <p:cNvPr id="57" name="Straight Arrow Connector 56"/>
-            <p:cNvCxnSpPr/>
-            <p:nvPr/>
-          </p:nvCxnSpPr>
-          <p:spPr>
-            <a:xfrm>
-              <a:off x="2384338" y="6261246"/>
-              <a:ext cx="682712" cy="547367"/>
-            </a:xfrm>
-            <a:prstGeom prst="straightConnector1">
-              <a:avLst/>
-            </a:prstGeom>
-            <a:ln>
-              <a:tailEnd type="triangle"/>
-            </a:ln>
-          </p:spPr>
-          <p:style>
-            <a:lnRef idx="1">
-              <a:schemeClr val="accent1"/>
-            </a:lnRef>
-            <a:fillRef idx="0">
-              <a:schemeClr val="accent1"/>
-            </a:fillRef>
-            <a:effectRef idx="0">
-              <a:schemeClr val="accent1"/>
-            </a:effectRef>
-            <a:fontRef idx="minor">
-              <a:schemeClr val="tx1"/>
-            </a:fontRef>
-          </p:style>
-        </p:cxnSp>
-        <p:cxnSp>
-          <p:nvCxnSpPr>
-            <p:cNvPr id="60" name="Straight Arrow Connector 59"/>
-            <p:cNvCxnSpPr/>
-            <p:nvPr/>
-          </p:nvCxnSpPr>
-          <p:spPr>
-            <a:xfrm flipV="1">
-              <a:off x="6154655" y="3938015"/>
-              <a:ext cx="571500" cy="380377"/>
-            </a:xfrm>
-            <a:prstGeom prst="straightConnector1">
-              <a:avLst/>
-            </a:prstGeom>
-            <a:ln>
-              <a:tailEnd type="triangle"/>
-            </a:ln>
-          </p:spPr>
-          <p:style>
-            <a:lnRef idx="1">
-              <a:schemeClr val="accent1"/>
-            </a:lnRef>
-            <a:fillRef idx="0">
-              <a:schemeClr val="accent1"/>
-            </a:fillRef>
-            <a:effectRef idx="0">
-              <a:schemeClr val="accent1"/>
-            </a:effectRef>
-            <a:fontRef idx="minor">
-              <a:schemeClr val="tx1"/>
-            </a:fontRef>
-          </p:style>
-        </p:cxnSp>
-        <p:cxnSp>
-          <p:nvCxnSpPr>
-            <p:cNvPr id="61" name="Straight Arrow Connector 60"/>
-            <p:cNvCxnSpPr/>
-            <p:nvPr/>
-          </p:nvCxnSpPr>
-          <p:spPr>
-            <a:xfrm>
-              <a:off x="6154655" y="4432381"/>
-              <a:ext cx="571500" cy="638558"/>
-            </a:xfrm>
-            <a:prstGeom prst="straightConnector1">
-              <a:avLst/>
-            </a:prstGeom>
-            <a:ln>
-              <a:tailEnd type="triangle"/>
-            </a:ln>
-          </p:spPr>
-          <p:style>
-            <a:lnRef idx="1">
-              <a:schemeClr val="accent1"/>
-            </a:lnRef>
-            <a:fillRef idx="0">
-              <a:schemeClr val="accent1"/>
-            </a:fillRef>
-            <a:effectRef idx="0">
-              <a:schemeClr val="accent1"/>
-            </a:effectRef>
-            <a:fontRef idx="minor">
-              <a:schemeClr val="tx1"/>
-            </a:fontRef>
-          </p:style>
-        </p:cxnSp>
-        <p:cxnSp>
-          <p:nvCxnSpPr>
-            <p:cNvPr id="63" name="Straight Arrow Connector 62"/>
-            <p:cNvCxnSpPr/>
-            <p:nvPr/>
-          </p:nvCxnSpPr>
-          <p:spPr>
-            <a:xfrm flipV="1">
-              <a:off x="6133597" y="7150386"/>
-              <a:ext cx="613114" cy="0"/>
-            </a:xfrm>
-            <a:prstGeom prst="straightConnector1">
-              <a:avLst/>
-            </a:prstGeom>
-            <a:ln>
-              <a:tailEnd type="triangle"/>
-            </a:ln>
-          </p:spPr>
-          <p:style>
-            <a:lnRef idx="1">
-              <a:schemeClr val="accent1"/>
-            </a:lnRef>
-            <a:fillRef idx="0">
-              <a:schemeClr val="accent1"/>
-            </a:fillRef>
-            <a:effectRef idx="0">
-              <a:schemeClr val="accent1"/>
-            </a:effectRef>
-            <a:fontRef idx="minor">
-              <a:schemeClr val="tx1"/>
-            </a:fontRef>
-          </p:style>
-        </p:cxnSp>
-        <p:cxnSp>
-          <p:nvCxnSpPr>
-            <p:cNvPr id="64" name="Straight Arrow Connector 63"/>
-            <p:cNvCxnSpPr/>
-            <p:nvPr/>
-          </p:nvCxnSpPr>
-          <p:spPr>
-            <a:xfrm flipV="1">
-              <a:off x="6147908" y="5996353"/>
-              <a:ext cx="492272" cy="1154032"/>
-            </a:xfrm>
-            <a:prstGeom prst="straightConnector1">
-              <a:avLst/>
-            </a:prstGeom>
-            <a:ln>
-              <a:tailEnd type="triangle"/>
-            </a:ln>
-          </p:spPr>
-          <p:style>
-            <a:lnRef idx="1">
-              <a:schemeClr val="accent1"/>
-            </a:lnRef>
-            <a:fillRef idx="0">
-              <a:schemeClr val="accent1"/>
-            </a:fillRef>
-            <a:effectRef idx="0">
-              <a:schemeClr val="accent1"/>
-            </a:effectRef>
-            <a:fontRef idx="minor">
-              <a:schemeClr val="tx1"/>
-            </a:fontRef>
-          </p:style>
-        </p:cxnSp>
-        <p:sp>
-          <p:nvSpPr>
-            <p:cNvPr id="66" name="TextBox 65"/>
+            <p:cNvPr id="70" name="TextBox 69"/>
             <p:cNvSpPr txBox="1"/>
             <p:nvPr/>
           </p:nvSpPr>
           <p:spPr>
             <a:xfrm>
-              <a:off x="3372350" y="4052602"/>
-              <a:ext cx="2761247" cy="699083"/>
+              <a:off x="6855348" y="6981622"/>
+              <a:ext cx="2003799" cy="390220"/>
             </a:xfrm>
             <a:prstGeom prst="rect">
               <a:avLst/>
@@ -3827,125 +3998,34 @@
             <a:p>
               <a:r>
                 <a:rPr lang="en-US" sz="2000" dirty="0"/>
-                <a:t>Capitalize best selling product</a:t>
+                <a:t>Best targeted customer</a:t>
               </a:r>
             </a:p>
           </p:txBody>
         </p:sp>
-        <p:sp>
-          <p:nvSpPr>
-            <p:cNvPr id="68" name="TextBox 67"/>
-            <p:cNvSpPr txBox="1"/>
-            <p:nvPr/>
-          </p:nvSpPr>
-          <p:spPr>
-            <a:xfrm>
-              <a:off x="6929529" y="5735581"/>
-              <a:ext cx="4405221" cy="395134"/>
-            </a:xfrm>
-            <a:prstGeom prst="rect">
-              <a:avLst/>
-            </a:prstGeom>
-            <a:noFill/>
-          </p:spPr>
-          <p:txBody>
-            <a:bodyPr wrap="square" rtlCol="0">
-              <a:spAutoFit/>
-            </a:bodyPr>
-            <a:lstStyle/>
-            <a:p>
-              <a:r>
-                <a:rPr lang="en-US" sz="2000" dirty="0"/>
-                <a:t>Determine best time and worst time</a:t>
-              </a:r>
-            </a:p>
-          </p:txBody>
-        </p:sp>
-        <p:sp>
-          <p:nvSpPr>
-            <p:cNvPr id="69" name="TextBox 68"/>
-            <p:cNvSpPr txBox="1"/>
-            <p:nvPr/>
-          </p:nvSpPr>
-          <p:spPr>
-            <a:xfrm>
-              <a:off x="3439592" y="6516488"/>
-              <a:ext cx="2306154" cy="1003032"/>
-            </a:xfrm>
-            <a:prstGeom prst="rect">
-              <a:avLst/>
-            </a:prstGeom>
-            <a:noFill/>
-          </p:spPr>
-          <p:txBody>
-            <a:bodyPr wrap="square" rtlCol="0">
-              <a:spAutoFit/>
-            </a:bodyPr>
-            <a:lstStyle/>
-            <a:p>
-              <a:r>
-                <a:rPr lang="en-US" sz="2000" dirty="0"/>
-                <a:t>Improve Operational Efficiency</a:t>
-              </a:r>
-            </a:p>
-          </p:txBody>
-        </p:sp>
-        <p:cxnSp>
-          <p:nvCxnSpPr>
-            <p:cNvPr id="72" name="Straight Arrow Connector 71"/>
-            <p:cNvCxnSpPr/>
-            <p:nvPr/>
-          </p:nvCxnSpPr>
-          <p:spPr>
-            <a:xfrm>
-              <a:off x="6123790" y="7150386"/>
-              <a:ext cx="602365" cy="1149391"/>
-            </a:xfrm>
-            <a:prstGeom prst="straightConnector1">
-              <a:avLst/>
-            </a:prstGeom>
-            <a:ln>
-              <a:tailEnd type="triangle"/>
-            </a:ln>
-          </p:spPr>
-          <p:style>
-            <a:lnRef idx="1">
-              <a:schemeClr val="accent1"/>
-            </a:lnRef>
-            <a:fillRef idx="0">
-              <a:schemeClr val="accent1"/>
-            </a:fillRef>
-            <a:effectRef idx="0">
-              <a:schemeClr val="accent1"/>
-            </a:effectRef>
-            <a:fontRef idx="minor">
-              <a:schemeClr val="tx1"/>
-            </a:fontRef>
-          </p:style>
-        </p:cxnSp>
         <p:grpSp>
           <p:nvGrpSpPr>
-            <p:cNvPr id="82" name="Group 81"/>
+            <p:cNvPr id="81" name="Group 80"/>
             <p:cNvGrpSpPr/>
             <p:nvPr/>
           </p:nvGrpSpPr>
           <p:grpSpPr>
             <a:xfrm>
-              <a:off x="6823416" y="6669463"/>
-              <a:ext cx="4968534" cy="1938261"/>
-              <a:chOff x="6782803" y="6775288"/>
-              <a:chExt cx="2463960" cy="1914156"/>
+              <a:off x="6782803" y="7950780"/>
+              <a:ext cx="2463960" cy="738664"/>
+              <a:chOff x="6669006" y="7965004"/>
+              <a:chExt cx="2463960" cy="738664"/>
             </a:xfrm>
           </p:grpSpPr>
           <p:sp>
             <p:nvSpPr>
-              <p:cNvPr id="53" name="Rectangle 52"/>
+              <p:cNvPr id="71" name="Rectangle 70"/>
               <p:cNvSpPr/>
               <p:nvPr/>
             </p:nvSpPr>
             <p:spPr>
               <a:xfrm>
-                <a:off x="6782803" y="6775288"/>
+                <a:off x="6669006" y="7965004"/>
                 <a:ext cx="2463960" cy="738664"/>
               </a:xfrm>
               <a:prstGeom prst="rect">
@@ -3985,13 +4065,13 @@
           </p:sp>
           <p:sp>
             <p:nvSpPr>
-              <p:cNvPr id="70" name="TextBox 69"/>
+              <p:cNvPr id="73" name="TextBox 72"/>
               <p:cNvSpPr txBox="1"/>
               <p:nvPr/>
             </p:nvSpPr>
             <p:spPr>
               <a:xfrm>
-                <a:off x="6855348" y="6981622"/>
+                <a:off x="6759401" y="8139225"/>
                 <a:ext cx="2003799" cy="390220"/>
               </a:xfrm>
               <a:prstGeom prst="rect">
@@ -4006,122 +4086,389 @@
               <a:lstStyle/>
               <a:p>
                 <a:r>
+                  <a:rPr lang="en-US" sz="2000" dirty="0" err="1"/>
+                  <a:t>Meningkatkan</a:t>
+                </a:r>
+                <a:r>
                   <a:rPr lang="en-US" sz="2000" dirty="0"/>
-                  <a:t>Best targeted customer</a:t>
+                  <a:t> </a:t>
                 </a:r>
+                <a:r>
+                  <a:rPr lang="en-US" sz="2000" dirty="0" err="1"/>
+                  <a:t>Layanan</a:t>
+                </a:r>
+                <a:endParaRPr lang="en-US" sz="2000" dirty="0"/>
               </a:p>
             </p:txBody>
           </p:sp>
-          <p:grpSp>
-            <p:nvGrpSpPr>
-              <p:cNvPr id="81" name="Group 80"/>
-              <p:cNvGrpSpPr/>
-              <p:nvPr/>
-            </p:nvGrpSpPr>
-            <p:grpSpPr>
-              <a:xfrm>
-                <a:off x="6782803" y="7950780"/>
-                <a:ext cx="2463960" cy="738664"/>
-                <a:chOff x="6669006" y="7965004"/>
-                <a:chExt cx="2463960" cy="738664"/>
-              </a:xfrm>
-            </p:grpSpPr>
-            <p:sp>
-              <p:nvSpPr>
-                <p:cNvPr id="71" name="Rectangle 70"/>
-                <p:cNvSpPr/>
-                <p:nvPr/>
-              </p:nvSpPr>
-              <p:spPr>
-                <a:xfrm>
-                  <a:off x="6669006" y="7965004"/>
-                  <a:ext cx="2463960" cy="738664"/>
-                </a:xfrm>
-                <a:prstGeom prst="rect">
-                  <a:avLst/>
-                </a:prstGeom>
-                <a:noFill/>
-              </p:spPr>
-              <p:style>
-                <a:lnRef idx="2">
-                  <a:schemeClr val="accent1">
-                    <a:shade val="50000"/>
-                  </a:schemeClr>
-                </a:lnRef>
-                <a:fillRef idx="1">
-                  <a:schemeClr val="accent1"/>
-                </a:fillRef>
-                <a:effectRef idx="0">
-                  <a:schemeClr val="accent1"/>
-                </a:effectRef>
-                <a:fontRef idx="minor">
-                  <a:schemeClr val="lt1"/>
-                </a:fontRef>
-              </p:style>
-              <p:txBody>
-                <a:bodyPr rot="0" spcFirstLastPara="0" vertOverflow="overflow" horzOverflow="overflow" vert="horz" wrap="square" lIns="91440" tIns="45720" rIns="91440" bIns="45720" numCol="1" spcCol="0" rtlCol="0" fromWordArt="0" anchor="ctr" anchorCtr="0" forceAA="0" compatLnSpc="1">
-                  <a:prstTxWarp prst="textNoShape">
-                    <a:avLst/>
-                  </a:prstTxWarp>
-                  <a:noAutofit/>
-                </a:bodyPr>
-                <a:lstStyle/>
-                <a:p>
-                  <a:pPr algn="ctr"/>
-                  <a:endParaRPr lang="en-US" sz="2000"/>
-                </a:p>
-              </p:txBody>
-            </p:sp>
-            <p:sp>
-              <p:nvSpPr>
-                <p:cNvPr id="73" name="TextBox 72"/>
-                <p:cNvSpPr txBox="1"/>
-                <p:nvPr/>
-              </p:nvSpPr>
-              <p:spPr>
-                <a:xfrm>
-                  <a:off x="6759401" y="8139225"/>
-                  <a:ext cx="2003799" cy="390220"/>
-                </a:xfrm>
-                <a:prstGeom prst="rect">
-                  <a:avLst/>
-                </a:prstGeom>
-                <a:noFill/>
-              </p:spPr>
-              <p:txBody>
-                <a:bodyPr wrap="square" rtlCol="0">
-                  <a:spAutoFit/>
-                </a:bodyPr>
-                <a:lstStyle/>
-                <a:p>
-                  <a:r>
-                    <a:rPr lang="en-US" sz="2000" dirty="0" err="1"/>
-                    <a:t>Meningkatkan</a:t>
-                  </a:r>
-                  <a:r>
-                    <a:rPr lang="en-US" sz="2000" dirty="0"/>
-                    <a:t> </a:t>
-                  </a:r>
-                  <a:r>
-                    <a:rPr lang="en-US" sz="2000" dirty="0" err="1"/>
-                    <a:t>Layanan</a:t>
-                  </a:r>
-                  <a:endParaRPr lang="en-US" sz="2000" dirty="0"/>
-                </a:p>
-              </p:txBody>
-            </p:sp>
-          </p:grpSp>
         </p:grpSp>
+      </p:grpSp>
+      <p:sp>
+        <p:nvSpPr>
+          <p:cNvPr id="78" name="TextBox 77"/>
+          <p:cNvSpPr txBox="1"/>
+          <p:nvPr/>
+        </p:nvSpPr>
+        <p:spPr>
+          <a:xfrm>
+            <a:off x="14530392" y="3494054"/>
+            <a:ext cx="4884734" cy="707886"/>
+          </a:xfrm>
+          <a:prstGeom prst="rect">
+            <a:avLst/>
+          </a:prstGeom>
+          <a:noFill/>
+        </p:spPr>
+        <p:txBody>
+          <a:bodyPr wrap="square" rtlCol="0">
+            <a:spAutoFit/>
+          </a:bodyPr>
+          <a:lstStyle/>
+          <a:p>
+            <a:r>
+              <a:rPr lang="en-US" sz="2000" dirty="0"/>
+              <a:t>Determine best – revenue pizza category and size</a:t>
+            </a:r>
+          </a:p>
+        </p:txBody>
+      </p:sp>
+      <p:sp>
+        <p:nvSpPr>
+          <p:cNvPr id="79" name="TextBox 78"/>
+          <p:cNvSpPr txBox="1"/>
+          <p:nvPr/>
+        </p:nvSpPr>
+        <p:spPr>
+          <a:xfrm>
+            <a:off x="14625138" y="4832532"/>
+            <a:ext cx="4580438" cy="707886"/>
+          </a:xfrm>
+          <a:prstGeom prst="rect">
+            <a:avLst/>
+          </a:prstGeom>
+          <a:noFill/>
+        </p:spPr>
+        <p:txBody>
+          <a:bodyPr wrap="square" rtlCol="0">
+            <a:spAutoFit/>
+          </a:bodyPr>
+          <a:lstStyle/>
+          <a:p>
+            <a:r>
+              <a:rPr lang="en-US" sz="2000" dirty="0"/>
+              <a:t>Determine best bundling combination between best and worst selling product</a:t>
+            </a:r>
+          </a:p>
+        </p:txBody>
+      </p:sp>
+      <p:sp>
+        <p:nvSpPr>
+          <p:cNvPr id="89" name="Rectangle 88"/>
+          <p:cNvSpPr/>
+          <p:nvPr/>
+        </p:nvSpPr>
+        <p:spPr>
+          <a:xfrm>
+            <a:off x="6958012" y="4739760"/>
+            <a:ext cx="3085019" cy="1870097"/>
+          </a:xfrm>
+          <a:prstGeom prst="rect">
+            <a:avLst/>
+          </a:prstGeom>
+          <a:noFill/>
+        </p:spPr>
+        <p:style>
+          <a:lnRef idx="2">
+            <a:schemeClr val="accent1">
+              <a:shade val="50000"/>
+            </a:schemeClr>
+          </a:lnRef>
+          <a:fillRef idx="1">
+            <a:schemeClr val="accent1"/>
+          </a:fillRef>
+          <a:effectRef idx="0">
+            <a:schemeClr val="accent1"/>
+          </a:effectRef>
+          <a:fontRef idx="minor">
+            <a:schemeClr val="lt1"/>
+          </a:fontRef>
+        </p:style>
+        <p:txBody>
+          <a:bodyPr rot="0" spcFirstLastPara="0" vertOverflow="overflow" horzOverflow="overflow" vert="horz" wrap="square" lIns="91440" tIns="45720" rIns="91440" bIns="45720" numCol="1" spcCol="0" rtlCol="0" fromWordArt="0" anchor="ctr" anchorCtr="0" forceAA="0" compatLnSpc="1">
+            <a:prstTxWarp prst="textNoShape">
+              <a:avLst/>
+            </a:prstTxWarp>
+            <a:noAutofit/>
+          </a:bodyPr>
+          <a:lstStyle/>
+          <a:p>
+            <a:pPr algn="ctr"/>
+            <a:endParaRPr lang="en-US" sz="2000"/>
+          </a:p>
+        </p:txBody>
+      </p:sp>
+    </p:spTree>
+    <p:extLst>
+      <p:ext uri="{BB962C8B-B14F-4D97-AF65-F5344CB8AC3E}">
+        <p14:creationId xmlns:p14="http://schemas.microsoft.com/office/powerpoint/2010/main" val="917872076"/>
+      </p:ext>
+    </p:extLst>
+  </p:cSld>
+  <p:clrMapOvr>
+    <a:masterClrMapping/>
+  </p:clrMapOvr>
+</p:sld>
+</file>
+
+<file path=ppt/slides/slide2.xml><?xml version="1.0" encoding="utf-8"?>
+<p:sld xmlns:a="http://schemas.openxmlformats.org/drawingml/2006/main" xmlns:r="http://schemas.openxmlformats.org/officeDocument/2006/relationships" xmlns:p="http://schemas.openxmlformats.org/presentationml/2006/main">
+  <p:cSld>
+    <p:spTree>
+      <p:nvGrpSpPr>
+        <p:cNvPr id="1" name="">
+          <a:extLst>
+            <a:ext uri="{FF2B5EF4-FFF2-40B4-BE49-F238E27FC236}">
+              <a16:creationId xmlns:a16="http://schemas.microsoft.com/office/drawing/2014/main" id="{3A4B737E-7F2F-7812-7858-4D8578707BEB}"/>
+            </a:ext>
+          </a:extLst>
+        </p:cNvPr>
+        <p:cNvGrpSpPr/>
+        <p:nvPr/>
+      </p:nvGrpSpPr>
+      <p:grpSpPr>
+        <a:xfrm>
+          <a:off x="0" y="0"/>
+          <a:ext cx="0" cy="0"/>
+          <a:chOff x="0" y="0"/>
+          <a:chExt cx="0" cy="0"/>
+        </a:xfrm>
+      </p:grpSpPr>
+      <p:sp>
+        <p:nvSpPr>
+          <p:cNvPr id="28" name="TextBox 27">
+            <a:extLst>
+              <a:ext uri="{FF2B5EF4-FFF2-40B4-BE49-F238E27FC236}">
+                <a16:creationId xmlns:a16="http://schemas.microsoft.com/office/drawing/2014/main" id="{4D5CA83B-F526-6F49-7939-8C4445E42073}"/>
+              </a:ext>
+            </a:extLst>
+          </p:cNvPr>
+          <p:cNvSpPr txBox="1"/>
+          <p:nvPr/>
+        </p:nvSpPr>
+        <p:spPr>
+          <a:xfrm>
+            <a:off x="30980978" y="8121983"/>
+            <a:ext cx="5354286" cy="923330"/>
+          </a:xfrm>
+          <a:prstGeom prst="rect">
+            <a:avLst/>
+          </a:prstGeom>
+          <a:noFill/>
+        </p:spPr>
+        <p:txBody>
+          <a:bodyPr wrap="none" rtlCol="0">
+            <a:spAutoFit/>
+          </a:bodyPr>
+          <a:lstStyle/>
+          <a:p>
+            <a:r>
+              <a:rPr lang="en-US" dirty="0" err="1"/>
+              <a:t>Paket</a:t>
+            </a:r>
+            <a:r>
+              <a:rPr lang="en-US" dirty="0"/>
+              <a:t> </a:t>
+            </a:r>
+            <a:r>
+              <a:rPr lang="en-US" dirty="0" err="1"/>
+              <a:t>Hemat</a:t>
+            </a:r>
+            <a:r>
+              <a:rPr lang="en-US" dirty="0"/>
+              <a:t>: </a:t>
+            </a:r>
+            <a:r>
+              <a:rPr lang="en-US" dirty="0" err="1"/>
+              <a:t>Ukuran</a:t>
+            </a:r>
+            <a:r>
+              <a:rPr lang="en-US" dirty="0"/>
+              <a:t> M dan L</a:t>
+            </a:r>
+          </a:p>
+          <a:p>
+            <a:endParaRPr lang="en-US" dirty="0"/>
+          </a:p>
+          <a:p>
+            <a:r>
+              <a:rPr lang="en-US" dirty="0" err="1"/>
+              <a:t>Matrics</a:t>
+            </a:r>
+            <a:r>
+              <a:rPr lang="en-US" dirty="0"/>
+              <a:t>: </a:t>
+            </a:r>
+            <a:r>
+              <a:rPr lang="en-US" sz="1800" dirty="0"/>
+              <a:t>Avg. Revenue from </a:t>
+            </a:r>
+            <a:r>
+              <a:rPr lang="en-US" sz="1800" dirty="0" err="1"/>
+              <a:t>Paket</a:t>
+            </a:r>
+            <a:r>
+              <a:rPr lang="en-US" sz="1800" dirty="0"/>
+              <a:t> </a:t>
+            </a:r>
+            <a:r>
+              <a:rPr lang="en-US" sz="1800" dirty="0" err="1"/>
+              <a:t>Hemat</a:t>
+            </a:r>
+            <a:r>
+              <a:rPr lang="en-US" sz="1800" dirty="0"/>
+              <a:t> / Month = 7%</a:t>
+            </a:r>
+            <a:endParaRPr lang="en-ID" dirty="0"/>
+          </a:p>
+        </p:txBody>
+      </p:sp>
+      <p:grpSp>
+        <p:nvGrpSpPr>
+          <p:cNvPr id="30" name="Group 29">
+            <a:extLst>
+              <a:ext uri="{FF2B5EF4-FFF2-40B4-BE49-F238E27FC236}">
+                <a16:creationId xmlns:a16="http://schemas.microsoft.com/office/drawing/2014/main" id="{F727787E-A523-61BF-C0D4-8D1A8F635FD1}"/>
+              </a:ext>
+            </a:extLst>
+          </p:cNvPr>
+          <p:cNvGrpSpPr/>
+          <p:nvPr/>
+        </p:nvGrpSpPr>
+        <p:grpSpPr>
+          <a:xfrm>
+            <a:off x="632813" y="316484"/>
+            <a:ext cx="35070379" cy="8426601"/>
+            <a:chOff x="632813" y="316484"/>
+            <a:chExt cx="35070379" cy="8426601"/>
+          </a:xfrm>
+        </p:grpSpPr>
         <p:sp>
           <p:nvSpPr>
-            <p:cNvPr id="78" name="TextBox 77"/>
+            <p:cNvPr id="7" name="TextBox 6">
+              <a:extLst>
+                <a:ext uri="{FF2B5EF4-FFF2-40B4-BE49-F238E27FC236}">
+                  <a16:creationId xmlns:a16="http://schemas.microsoft.com/office/drawing/2014/main" id="{AA31DBB6-5DF5-6979-EA35-DCED05E0A2F3}"/>
+                </a:ext>
+              </a:extLst>
+            </p:cNvPr>
             <p:cNvSpPr txBox="1"/>
             <p:nvPr/>
           </p:nvSpPr>
           <p:spPr>
             <a:xfrm>
-              <a:off x="6869116" y="3311777"/>
-              <a:ext cx="4884734" cy="699083"/>
+              <a:off x="23178216" y="1319571"/>
+              <a:ext cx="976806" cy="400110"/>
+            </a:xfrm>
+            <a:prstGeom prst="rect">
+              <a:avLst/>
+            </a:prstGeom>
+            <a:noFill/>
+          </p:spPr>
+          <p:txBody>
+            <a:bodyPr wrap="none" rtlCol="0">
+              <a:spAutoFit/>
+            </a:bodyPr>
+            <a:lstStyle/>
+            <a:p>
+              <a:r>
+                <a:rPr lang="en-US" sz="2000" dirty="0"/>
+                <a:t>Metrics</a:t>
+              </a:r>
+            </a:p>
+          </p:txBody>
+        </p:sp>
+        <p:sp>
+          <p:nvSpPr>
+            <p:cNvPr id="8" name="TextBox 7">
+              <a:extLst>
+                <a:ext uri="{FF2B5EF4-FFF2-40B4-BE49-F238E27FC236}">
+                  <a16:creationId xmlns:a16="http://schemas.microsoft.com/office/drawing/2014/main" id="{3E884F50-B52A-6BD9-9CF1-05D04283BCA5}"/>
+                </a:ext>
+              </a:extLst>
+            </p:cNvPr>
+            <p:cNvSpPr txBox="1"/>
+            <p:nvPr/>
+          </p:nvSpPr>
+          <p:spPr>
+            <a:xfrm>
+              <a:off x="15413484" y="1279251"/>
+              <a:ext cx="1475084" cy="400110"/>
+            </a:xfrm>
+            <a:prstGeom prst="rect">
+              <a:avLst/>
+            </a:prstGeom>
+            <a:noFill/>
+          </p:spPr>
+          <p:txBody>
+            <a:bodyPr wrap="none" rtlCol="0">
+              <a:spAutoFit/>
+            </a:bodyPr>
+            <a:lstStyle/>
+            <a:p>
+              <a:r>
+                <a:rPr lang="en-US" sz="2000" dirty="0" err="1"/>
+                <a:t>Hyphothesis</a:t>
+              </a:r>
+              <a:endParaRPr lang="en-US" sz="2000" dirty="0"/>
+            </a:p>
+          </p:txBody>
+        </p:sp>
+        <p:pic>
+          <p:nvPicPr>
+            <p:cNvPr id="12" name="Picture 11">
+              <a:extLst>
+                <a:ext uri="{FF2B5EF4-FFF2-40B4-BE49-F238E27FC236}">
+                  <a16:creationId xmlns:a16="http://schemas.microsoft.com/office/drawing/2014/main" id="{D03F3F3D-B91C-329D-6CD2-159F9C70CC7D}"/>
+                </a:ext>
+              </a:extLst>
+            </p:cNvPr>
+            <p:cNvPicPr>
+              <a:picLocks noChangeAspect="1"/>
+            </p:cNvPicPr>
+            <p:nvPr/>
+          </p:nvPicPr>
+          <p:blipFill>
+            <a:blip r:embed="rId2"/>
+            <a:stretch>
+              <a:fillRect/>
+            </a:stretch>
+          </p:blipFill>
+          <p:spPr>
+            <a:xfrm>
+              <a:off x="632813" y="316484"/>
+              <a:ext cx="13134944" cy="8426601"/>
+            </a:xfrm>
+            <a:prstGeom prst="rect">
+              <a:avLst/>
+            </a:prstGeom>
+          </p:spPr>
+        </p:pic>
+        <p:sp>
+          <p:nvSpPr>
+            <p:cNvPr id="13" name="TextBox 12">
+              <a:extLst>
+                <a:ext uri="{FF2B5EF4-FFF2-40B4-BE49-F238E27FC236}">
+                  <a16:creationId xmlns:a16="http://schemas.microsoft.com/office/drawing/2014/main" id="{FD2A0046-6B9F-0247-158F-16BBDC06C13C}"/>
+                </a:ext>
+              </a:extLst>
+            </p:cNvPr>
+            <p:cNvSpPr txBox="1"/>
+            <p:nvPr/>
+          </p:nvSpPr>
+          <p:spPr>
+            <a:xfrm>
+              <a:off x="13767758" y="3226279"/>
+              <a:ext cx="6676845" cy="1200329"/>
             </a:xfrm>
             <a:prstGeom prst="rect">
               <a:avLst/>
@@ -4135,22 +4482,89 @@
             <a:lstStyle/>
             <a:p>
               <a:r>
-                <a:rPr lang="en-US" sz="2000" dirty="0"/>
-                <a:t>Determine best – revenue pizza category and size</a:t>
-              </a:r>
+                <a:rPr lang="en-US" sz="2400" dirty="0" err="1"/>
+                <a:t>Dengan</a:t>
+              </a:r>
+              <a:r>
+                <a:rPr lang="en-US" sz="2400" dirty="0"/>
+                <a:t> </a:t>
+              </a:r>
+              <a:r>
+                <a:rPr lang="en-US" sz="2400" dirty="0" err="1"/>
+                <a:t>memfokuskan</a:t>
+              </a:r>
+              <a:r>
+                <a:rPr lang="en-US" sz="2400" dirty="0"/>
+                <a:t> strategi </a:t>
+              </a:r>
+              <a:r>
+                <a:rPr lang="en-US" sz="2400" dirty="0" err="1"/>
+                <a:t>pemasaran</a:t>
+              </a:r>
+              <a:r>
+                <a:rPr lang="en-US" sz="2400" dirty="0"/>
+                <a:t> pada best selling product, </a:t>
+              </a:r>
+              <a:r>
+                <a:rPr lang="en-US" sz="2400" dirty="0" err="1"/>
+                <a:t>maka</a:t>
+              </a:r>
+              <a:r>
+                <a:rPr lang="en-US" sz="2400" dirty="0"/>
+                <a:t> revenue </a:t>
+              </a:r>
+              <a:r>
+                <a:rPr lang="en-US" sz="2400" dirty="0" err="1"/>
+                <a:t>akan</a:t>
+              </a:r>
+              <a:r>
+                <a:rPr lang="en-US" sz="2400" dirty="0"/>
+                <a:t> naik </a:t>
+              </a:r>
+              <a:r>
+                <a:rPr lang="en-US" sz="2400" dirty="0" err="1"/>
+                <a:t>sebanyak</a:t>
+              </a:r>
+              <a:r>
+                <a:rPr lang="en-US" sz="2400" dirty="0"/>
+                <a:t> 5% </a:t>
+              </a:r>
+              <a:r>
+                <a:rPr lang="en-US" sz="2400" dirty="0" err="1"/>
+                <a:t>dalam</a:t>
+              </a:r>
+              <a:r>
+                <a:rPr lang="en-US" sz="2400" dirty="0"/>
+                <a:t> 1 Quartal </a:t>
+              </a:r>
+              <a:r>
+                <a:rPr lang="en-US" sz="2400" dirty="0" err="1"/>
+                <a:t>kedepan</a:t>
+              </a:r>
+              <a:r>
+                <a:rPr lang="en-US" sz="2400" dirty="0"/>
+                <a:t>.</a:t>
+              </a:r>
+              <a:endParaRPr lang="en-ID" sz="2400" dirty="0"/>
             </a:p>
           </p:txBody>
         </p:sp>
         <p:sp>
           <p:nvSpPr>
-            <p:cNvPr id="79" name="TextBox 78"/>
+            <p:cNvPr id="14" name="TextBox 13">
+              <a:extLst>
+                <a:ext uri="{FF2B5EF4-FFF2-40B4-BE49-F238E27FC236}">
+                  <a16:creationId xmlns:a16="http://schemas.microsoft.com/office/drawing/2014/main" id="{3CE4C374-E7C9-7F9D-8E80-868A4730A617}"/>
+                </a:ext>
+              </a:extLst>
+            </p:cNvPr>
             <p:cNvSpPr txBox="1"/>
             <p:nvPr/>
           </p:nvSpPr>
           <p:spPr>
             <a:xfrm>
-              <a:off x="6963862" y="4633609"/>
-              <a:ext cx="4580438" cy="699083"/>
+              <a:off x="21219717" y="2960125"/>
+              <a:ext cx="2631914" cy="1569660"/>
             </a:xfrm>
             <a:prstGeom prst="rect">
               <a:avLst/>
@@ -4164,55 +4578,500 @@
             <a:lstStyle/>
             <a:p>
               <a:r>
-                <a:rPr lang="en-US" sz="2000" dirty="0"/>
-                <a:t>Determine best bundling combination between best and worst selling product</a:t>
-              </a:r>
+                <a:rPr lang="en-US" sz="2400" dirty="0"/>
+                <a:t>- Harga Pizza</a:t>
+              </a:r>
+            </a:p>
+            <a:p>
+              <a:r>
+                <a:rPr lang="en-US" sz="2400" dirty="0"/>
+                <a:t>- Pizza ID</a:t>
+              </a:r>
+            </a:p>
+            <a:p>
+              <a:r>
+                <a:rPr lang="en-US" sz="2400" dirty="0"/>
+                <a:t>- Pizza category</a:t>
+              </a:r>
+            </a:p>
+            <a:p>
+              <a:r>
+                <a:rPr lang="en-US" sz="2400" dirty="0"/>
+                <a:t>- </a:t>
+              </a:r>
+              <a:r>
+                <a:rPr lang="en-US" sz="2400" dirty="0" err="1"/>
+                <a:t>Ukuran</a:t>
+              </a:r>
+              <a:r>
+                <a:rPr lang="en-US" sz="2400" dirty="0"/>
+                <a:t> Pizza</a:t>
+              </a:r>
+              <a:endParaRPr lang="en-ID" sz="2400" dirty="0"/>
             </a:p>
           </p:txBody>
         </p:sp>
         <p:sp>
           <p:nvSpPr>
-            <p:cNvPr id="89" name="Rectangle 88"/>
-            <p:cNvSpPr/>
+            <p:cNvPr id="15" name="TextBox 14">
+              <a:extLst>
+                <a:ext uri="{FF2B5EF4-FFF2-40B4-BE49-F238E27FC236}">
+                  <a16:creationId xmlns:a16="http://schemas.microsoft.com/office/drawing/2014/main" id="{FC68FE86-122C-5C32-B807-1DB4D6EC944C}"/>
+                </a:ext>
+              </a:extLst>
+            </p:cNvPr>
+            <p:cNvSpPr txBox="1"/>
             <p:nvPr/>
           </p:nvSpPr>
           <p:spPr>
             <a:xfrm>
-              <a:off x="-703267" y="4541988"/>
-              <a:ext cx="3085019" cy="1846840"/>
+              <a:off x="24368161" y="1952712"/>
+              <a:ext cx="2631914" cy="2677656"/>
             </a:xfrm>
             <a:prstGeom prst="rect">
               <a:avLst/>
             </a:prstGeom>
             <a:noFill/>
           </p:spPr>
+          <p:txBody>
+            <a:bodyPr wrap="square" rtlCol="0">
+              <a:spAutoFit/>
+            </a:bodyPr>
+            <a:lstStyle/>
+            <a:p>
+              <a:pPr marL="342900" indent="-342900">
+                <a:buFont typeface="Arial" panose="020B0604020202020204" pitchFamily="34" charset="0"/>
+                <a:buChar char="•"/>
+              </a:pPr>
+              <a:r>
+                <a:rPr lang="en-US" sz="2400" dirty="0"/>
+                <a:t>Avg. Revenue from Pizza Category / Month. – 6%</a:t>
+              </a:r>
+            </a:p>
+            <a:p>
+              <a:pPr marL="342900" indent="-342900">
+                <a:buFont typeface="Arial" panose="020B0604020202020204" pitchFamily="34" charset="0"/>
+                <a:buChar char="•"/>
+              </a:pPr>
+              <a:r>
+                <a:rPr lang="en-US" sz="2400" dirty="0"/>
+                <a:t>Avg. Revenue from Pizza Size / Month. - 7%</a:t>
+              </a:r>
+              <a:endParaRPr lang="en-ID" sz="2400" dirty="0"/>
+            </a:p>
+          </p:txBody>
+        </p:sp>
+        <p:cxnSp>
+          <p:nvCxnSpPr>
+            <p:cNvPr id="17" name="Straight Connector 16">
+              <a:extLst>
+                <a:ext uri="{FF2B5EF4-FFF2-40B4-BE49-F238E27FC236}">
+                  <a16:creationId xmlns:a16="http://schemas.microsoft.com/office/drawing/2014/main" id="{1684D7E4-9BDA-762A-0EB8-21D7AF361272}"/>
+                </a:ext>
+              </a:extLst>
+            </p:cNvPr>
+            <p:cNvCxnSpPr/>
+            <p:nvPr/>
+          </p:nvCxnSpPr>
+          <p:spPr>
+            <a:xfrm>
+              <a:off x="20739370" y="1844888"/>
+              <a:ext cx="0" cy="5373035"/>
+            </a:xfrm>
+            <a:prstGeom prst="line">
+              <a:avLst/>
+            </a:prstGeom>
+          </p:spPr>
           <p:style>
-            <a:lnRef idx="2">
-              <a:schemeClr val="accent1">
-                <a:shade val="50000"/>
-              </a:schemeClr>
+            <a:lnRef idx="1">
+              <a:schemeClr val="accent1"/>
             </a:lnRef>
-            <a:fillRef idx="1">
+            <a:fillRef idx="0">
               <a:schemeClr val="accent1"/>
             </a:fillRef>
             <a:effectRef idx="0">
               <a:schemeClr val="accent1"/>
             </a:effectRef>
             <a:fontRef idx="minor">
-              <a:schemeClr val="lt1"/>
+              <a:schemeClr val="tx1"/>
             </a:fontRef>
           </p:style>
+        </p:cxnSp>
+        <p:cxnSp>
+          <p:nvCxnSpPr>
+            <p:cNvPr id="20" name="Straight Connector 19">
+              <a:extLst>
+                <a:ext uri="{FF2B5EF4-FFF2-40B4-BE49-F238E27FC236}">
+                  <a16:creationId xmlns:a16="http://schemas.microsoft.com/office/drawing/2014/main" id="{93B8D5E8-42AE-C7E0-27EC-18D94870CB30}"/>
+                </a:ext>
+              </a:extLst>
+            </p:cNvPr>
+            <p:cNvCxnSpPr/>
+            <p:nvPr/>
+          </p:nvCxnSpPr>
+          <p:spPr>
+            <a:xfrm>
+              <a:off x="13617181" y="4747098"/>
+              <a:ext cx="12608589" cy="0"/>
+            </a:xfrm>
+            <a:prstGeom prst="line">
+              <a:avLst/>
+            </a:prstGeom>
+          </p:spPr>
+          <p:style>
+            <a:lnRef idx="1">
+              <a:schemeClr val="accent1"/>
+            </a:lnRef>
+            <a:fillRef idx="0">
+              <a:schemeClr val="accent1"/>
+            </a:fillRef>
+            <a:effectRef idx="0">
+              <a:schemeClr val="accent1"/>
+            </a:effectRef>
+            <a:fontRef idx="minor">
+              <a:schemeClr val="tx1"/>
+            </a:fontRef>
+          </p:style>
+        </p:cxnSp>
+        <p:sp>
+          <p:nvSpPr>
+            <p:cNvPr id="21" name="TextBox 20">
+              <a:extLst>
+                <a:ext uri="{FF2B5EF4-FFF2-40B4-BE49-F238E27FC236}">
+                  <a16:creationId xmlns:a16="http://schemas.microsoft.com/office/drawing/2014/main" id="{D7317289-02A9-2107-5980-EDC137B2AC07}"/>
+                </a:ext>
+              </a:extLst>
+            </p:cNvPr>
+            <p:cNvSpPr txBox="1"/>
+            <p:nvPr/>
+          </p:nvSpPr>
+          <p:spPr>
+            <a:xfrm>
+              <a:off x="13767757" y="4964412"/>
+              <a:ext cx="6676845" cy="830997"/>
+            </a:xfrm>
+            <a:prstGeom prst="rect">
+              <a:avLst/>
+            </a:prstGeom>
+            <a:noFill/>
+          </p:spPr>
           <p:txBody>
-            <a:bodyPr rot="0" spcFirstLastPara="0" vertOverflow="overflow" horzOverflow="overflow" vert="horz" wrap="square" lIns="91440" tIns="45720" rIns="91440" bIns="45720" numCol="1" spcCol="0" rtlCol="0" fromWordArt="0" anchor="ctr" anchorCtr="0" forceAA="0" compatLnSpc="1">
-              <a:prstTxWarp prst="textNoShape">
-                <a:avLst/>
-              </a:prstTxWarp>
-              <a:noAutofit/>
+            <a:bodyPr wrap="square" rtlCol="0">
+              <a:spAutoFit/>
             </a:bodyPr>
             <a:lstStyle/>
             <a:p>
-              <a:pPr algn="ctr"/>
-              <a:endParaRPr lang="en-US" sz="2000"/>
+              <a:r>
+                <a:rPr lang="en-US" sz="2400" dirty="0" err="1"/>
+                <a:t>Dengan</a:t>
+              </a:r>
+              <a:r>
+                <a:rPr lang="en-US" sz="2400" dirty="0"/>
+                <a:t> </a:t>
+              </a:r>
+              <a:r>
+                <a:rPr lang="en-US" sz="2400" dirty="0" err="1"/>
+                <a:t>melakukan</a:t>
+              </a:r>
+              <a:r>
+                <a:rPr lang="en-US" sz="2400" dirty="0"/>
+                <a:t> strategi bundling, </a:t>
+              </a:r>
+              <a:r>
+                <a:rPr lang="en-US" sz="2400" dirty="0" err="1"/>
+                <a:t>maka</a:t>
+              </a:r>
+              <a:r>
+                <a:rPr lang="en-US" sz="2400" dirty="0"/>
+                <a:t> revenue overall </a:t>
+              </a:r>
+              <a:r>
+                <a:rPr lang="en-US" sz="2400" dirty="0" err="1"/>
+                <a:t>kita</a:t>
+              </a:r>
+              <a:r>
+                <a:rPr lang="en-US" sz="2400" dirty="0"/>
+                <a:t> </a:t>
+              </a:r>
+              <a:r>
+                <a:rPr lang="en-US" sz="2400" dirty="0" err="1"/>
+                <a:t>bisa</a:t>
+              </a:r>
+              <a:r>
+                <a:rPr lang="en-US" sz="2400" dirty="0"/>
+                <a:t> naik 5% </a:t>
+              </a:r>
+              <a:r>
+                <a:rPr lang="en-US" sz="2400" dirty="0" err="1"/>
+                <a:t>dalam</a:t>
+              </a:r>
+              <a:r>
+                <a:rPr lang="en-US" sz="2400" dirty="0"/>
+                <a:t> 1 </a:t>
+              </a:r>
+              <a:r>
+                <a:rPr lang="en-US" sz="2400" dirty="0" err="1"/>
+                <a:t>Qurtal</a:t>
+              </a:r>
+              <a:r>
+                <a:rPr lang="en-US" sz="2400" dirty="0"/>
+                <a:t> </a:t>
+              </a:r>
+              <a:r>
+                <a:rPr lang="en-US" sz="2400" dirty="0" err="1"/>
+                <a:t>kedepan</a:t>
+              </a:r>
+              <a:r>
+                <a:rPr lang="en-US" sz="2400" dirty="0"/>
+                <a:t>. </a:t>
+              </a:r>
+              <a:endParaRPr lang="en-ID" sz="2400" dirty="0"/>
+            </a:p>
+          </p:txBody>
+        </p:sp>
+        <p:sp>
+          <p:nvSpPr>
+            <p:cNvPr id="22" name="TextBox 21">
+              <a:extLst>
+                <a:ext uri="{FF2B5EF4-FFF2-40B4-BE49-F238E27FC236}">
+                  <a16:creationId xmlns:a16="http://schemas.microsoft.com/office/drawing/2014/main" id="{7B1AE8AB-D97F-BDF8-1270-44717AD749AB}"/>
+                </a:ext>
+              </a:extLst>
+            </p:cNvPr>
+            <p:cNvSpPr txBox="1"/>
+            <p:nvPr/>
+          </p:nvSpPr>
+          <p:spPr>
+            <a:xfrm>
+              <a:off x="21244739" y="4863829"/>
+              <a:ext cx="3123419" cy="2308324"/>
+            </a:xfrm>
+            <a:prstGeom prst="rect">
+              <a:avLst/>
+            </a:prstGeom>
+            <a:noFill/>
+          </p:spPr>
+          <p:txBody>
+            <a:bodyPr wrap="square" rtlCol="0">
+              <a:spAutoFit/>
+            </a:bodyPr>
+            <a:lstStyle/>
+            <a:p>
+              <a:r>
+                <a:rPr lang="en-US" sz="2400" dirty="0"/>
+                <a:t>- Harga Pizza</a:t>
+              </a:r>
+            </a:p>
+            <a:p>
+              <a:r>
+                <a:rPr lang="en-US" sz="2400" dirty="0"/>
+                <a:t>- Pizza ID</a:t>
+              </a:r>
+            </a:p>
+            <a:p>
+              <a:r>
+                <a:rPr lang="en-US" sz="2400" dirty="0"/>
+                <a:t>- Pizza Category</a:t>
+              </a:r>
+            </a:p>
+            <a:p>
+              <a:r>
+                <a:rPr lang="en-US" sz="2400" dirty="0"/>
+                <a:t>- </a:t>
+              </a:r>
+              <a:r>
+                <a:rPr lang="en-US" sz="2400" dirty="0" err="1"/>
+                <a:t>Ukuran</a:t>
+              </a:r>
+              <a:r>
+                <a:rPr lang="en-US" sz="2400" dirty="0"/>
+                <a:t> Pizza</a:t>
+              </a:r>
+            </a:p>
+            <a:p>
+              <a:r>
+                <a:rPr lang="en-US" sz="2400" dirty="0"/>
+                <a:t>- Tagging best/worst selling product</a:t>
+              </a:r>
+              <a:endParaRPr lang="en-ID" sz="2400" dirty="0"/>
+            </a:p>
+          </p:txBody>
+        </p:sp>
+        <p:sp>
+          <p:nvSpPr>
+            <p:cNvPr id="24" name="TextBox 23">
+              <a:extLst>
+                <a:ext uri="{FF2B5EF4-FFF2-40B4-BE49-F238E27FC236}">
+                  <a16:creationId xmlns:a16="http://schemas.microsoft.com/office/drawing/2014/main" id="{E985345B-4039-9779-E4C4-2B39C7C295C4}"/>
+                </a:ext>
+              </a:extLst>
+            </p:cNvPr>
+            <p:cNvSpPr txBox="1"/>
+            <p:nvPr/>
+          </p:nvSpPr>
+          <p:spPr>
+            <a:xfrm>
+              <a:off x="24368286" y="4950858"/>
+              <a:ext cx="2631914" cy="1200329"/>
+            </a:xfrm>
+            <a:prstGeom prst="rect">
+              <a:avLst/>
+            </a:prstGeom>
+            <a:noFill/>
+          </p:spPr>
+          <p:txBody>
+            <a:bodyPr wrap="square" rtlCol="0">
+              <a:spAutoFit/>
+            </a:bodyPr>
+            <a:lstStyle/>
+            <a:p>
+              <a:pPr marL="342900" indent="-342900">
+                <a:buFont typeface="Arial" panose="020B0604020202020204" pitchFamily="34" charset="0"/>
+                <a:buChar char="•"/>
+              </a:pPr>
+              <a:r>
+                <a:rPr lang="en-US" sz="2400" dirty="0"/>
+                <a:t>Total order per pizza category per </a:t>
+              </a:r>
+              <a:r>
+                <a:rPr lang="en-US" sz="2400" dirty="0" err="1"/>
+                <a:t>Bulan</a:t>
+              </a:r>
+              <a:endParaRPr lang="en-ID" sz="2400" dirty="0"/>
+            </a:p>
+          </p:txBody>
+        </p:sp>
+        <p:sp>
+          <p:nvSpPr>
+            <p:cNvPr id="25" name="TextBox 24">
+              <a:extLst>
+                <a:ext uri="{FF2B5EF4-FFF2-40B4-BE49-F238E27FC236}">
+                  <a16:creationId xmlns:a16="http://schemas.microsoft.com/office/drawing/2014/main" id="{A0432CAE-9988-20BD-841D-9F17303A7EE3}"/>
+                </a:ext>
+              </a:extLst>
+            </p:cNvPr>
+            <p:cNvSpPr txBox="1"/>
+            <p:nvPr/>
+          </p:nvSpPr>
+          <p:spPr>
+            <a:xfrm>
+              <a:off x="27416215" y="4967407"/>
+              <a:ext cx="3123419" cy="1569660"/>
+            </a:xfrm>
+            <a:prstGeom prst="rect">
+              <a:avLst/>
+            </a:prstGeom>
+            <a:noFill/>
+          </p:spPr>
+          <p:txBody>
+            <a:bodyPr wrap="square" rtlCol="0">
+              <a:spAutoFit/>
+            </a:bodyPr>
+            <a:lstStyle/>
+            <a:p>
+              <a:pPr marL="342900" indent="-342900">
+                <a:buFont typeface="Arial" panose="020B0604020202020204" pitchFamily="34" charset="0"/>
+                <a:buChar char="•"/>
+              </a:pPr>
+              <a:r>
+                <a:rPr lang="en-US" sz="2400" dirty="0"/>
+                <a:t>Level </a:t>
+              </a:r>
+              <a:r>
+                <a:rPr lang="en-US" sz="2400" dirty="0" err="1"/>
+                <a:t>Ukuran</a:t>
+              </a:r>
+              <a:endParaRPr lang="en-US" sz="2400" dirty="0"/>
+            </a:p>
+            <a:p>
+              <a:pPr marL="342900" indent="-342900">
+                <a:buFont typeface="Arial" panose="020B0604020202020204" pitchFamily="34" charset="0"/>
+                <a:buChar char="•"/>
+              </a:pPr>
+              <a:r>
+                <a:rPr lang="en-US" sz="2400" dirty="0"/>
+                <a:t>Level Category</a:t>
+              </a:r>
+            </a:p>
+            <a:p>
+              <a:pPr marL="342900" indent="-342900">
+                <a:buFont typeface="Arial" panose="020B0604020202020204" pitchFamily="34" charset="0"/>
+                <a:buChar char="•"/>
+              </a:pPr>
+              <a:r>
+                <a:rPr lang="en-US" sz="2400" dirty="0"/>
+                <a:t>Level Pizza Type ID</a:t>
+              </a:r>
+              <a:endParaRPr lang="en-ID" sz="2400" dirty="0"/>
+            </a:p>
+            <a:p>
+              <a:endParaRPr lang="en-ID" sz="2400" dirty="0"/>
+            </a:p>
+          </p:txBody>
+        </p:sp>
+        <p:pic>
+          <p:nvPicPr>
+            <p:cNvPr id="27" name="Picture 26">
+              <a:extLst>
+                <a:ext uri="{FF2B5EF4-FFF2-40B4-BE49-F238E27FC236}">
+                  <a16:creationId xmlns:a16="http://schemas.microsoft.com/office/drawing/2014/main" id="{F784B51C-551A-1F87-66FC-5ACBB76018A5}"/>
+                </a:ext>
+              </a:extLst>
+            </p:cNvPr>
+            <p:cNvPicPr>
+              <a:picLocks noChangeAspect="1"/>
+            </p:cNvPicPr>
+            <p:nvPr/>
+          </p:nvPicPr>
+          <p:blipFill>
+            <a:blip r:embed="rId3"/>
+            <a:stretch>
+              <a:fillRect/>
+            </a:stretch>
+          </p:blipFill>
+          <p:spPr>
+            <a:xfrm>
+              <a:off x="30730886" y="4790783"/>
+              <a:ext cx="4972306" cy="3130711"/>
+            </a:xfrm>
+            <a:prstGeom prst="rect">
+              <a:avLst/>
+            </a:prstGeom>
+          </p:spPr>
+        </p:pic>
+        <p:sp>
+          <p:nvSpPr>
+            <p:cNvPr id="29" name="TextBox 28">
+              <a:extLst>
+                <a:ext uri="{FF2B5EF4-FFF2-40B4-BE49-F238E27FC236}">
+                  <a16:creationId xmlns:a16="http://schemas.microsoft.com/office/drawing/2014/main" id="{198488B0-2B11-FAE7-E37D-9E73048F7434}"/>
+                </a:ext>
+              </a:extLst>
+            </p:cNvPr>
+            <p:cNvSpPr txBox="1"/>
+            <p:nvPr/>
+          </p:nvSpPr>
+          <p:spPr>
+            <a:xfrm>
+              <a:off x="13736207" y="7172153"/>
+              <a:ext cx="4123776" cy="477149"/>
+            </a:xfrm>
+            <a:prstGeom prst="rect">
+              <a:avLst/>
+            </a:prstGeom>
+            <a:noFill/>
+          </p:spPr>
+          <p:txBody>
+            <a:bodyPr wrap="square" rtlCol="0">
+              <a:spAutoFit/>
+            </a:bodyPr>
+            <a:lstStyle/>
+            <a:p>
+              <a:r>
+                <a:rPr lang="en-US" sz="2400" dirty="0"/>
+                <a:t>09 – 15 , 15 – 18, 18 - 21</a:t>
+              </a:r>
+              <a:endParaRPr lang="en-ID" sz="2400" dirty="0"/>
             </a:p>
           </p:txBody>
         </p:sp>
@@ -4220,20 +5079,13 @@
     </p:spTree>
     <p:extLst>
       <p:ext uri="{BB962C8B-B14F-4D97-AF65-F5344CB8AC3E}">
-        <p14:creationId xmlns:p14="http://schemas.microsoft.com/office/powerpoint/2010/main" val="917872076"/>
+        <p14:creationId xmlns:p14="http://schemas.microsoft.com/office/powerpoint/2010/main" val="569763295"/>
       </p:ext>
     </p:extLst>
   </p:cSld>
   <p:clrMapOvr>
     <a:masterClrMapping/>
   </p:clrMapOvr>
-  <p:timing>
-    <p:tnLst>
-      <p:par>
-        <p:cTn id="1" dur="indefinite" restart="never" nodeType="tmRoot"/>
-      </p:par>
-    </p:tnLst>
-  </p:timing>
 </p:sld>
 </file>
 
@@ -4254,7 +5106,7 @@
         <a:srgbClr val="E7E6E6"/>
       </a:lt2>
       <a:accent1>
-        <a:srgbClr val="5B9BD5"/>
+        <a:srgbClr val="4472C4"/>
       </a:accent1>
       <a:accent2>
         <a:srgbClr val="ED7D31"/>
@@ -4266,7 +5118,7 @@
         <a:srgbClr val="FFC000"/>
       </a:accent4>
       <a:accent5>
-        <a:srgbClr val="4472C4"/>
+        <a:srgbClr val="5B9BD5"/>
       </a:accent5>
       <a:accent6>
         <a:srgbClr val="70AD47"/>
@@ -4283,9 +5135,9 @@
         <a:latin typeface="Calibri Light" panose="020F0302020204030204"/>
         <a:ea typeface=""/>
         <a:cs typeface=""/>
-        <a:font script="Jpan" typeface="ＭＳ Ｐゴシック"/>
+        <a:font script="Jpan" typeface="游ゴシック Light"/>
         <a:font script="Hang" typeface="맑은 고딕"/>
-        <a:font script="Hans" typeface="宋体"/>
+        <a:font script="Hans" typeface="等线 Light"/>
         <a:font script="Hant" typeface="新細明體"/>
         <a:font script="Arab" typeface="Times New Roman"/>
         <a:font script="Hebr" typeface="Times New Roman"/>
@@ -4318,9 +5170,9 @@
         <a:latin typeface="Calibri" panose="020F0502020204030204"/>
         <a:ea typeface=""/>
         <a:cs typeface=""/>
-        <a:font script="Jpan" typeface="ＭＳ Ｐゴシック"/>
+        <a:font script="Jpan" typeface="游ゴシック"/>
         <a:font script="Hang" typeface="맑은 고딕"/>
-        <a:font script="Hans" typeface="宋体"/>
+        <a:font script="Hans" typeface="等线"/>
         <a:font script="Hant" typeface="新細明體"/>
         <a:font script="Arab" typeface="Arial"/>
         <a:font script="Hebr" typeface="Arial"/>
@@ -4492,7 +5344,7 @@
   <a:extraClrSchemeLst/>
   <a:extLst>
     <a:ext uri="{05A4C25C-085E-4340-85A3-A5531E510DB2}">
-      <thm15:themeFamily xmlns:thm15="http://schemas.microsoft.com/office/thememl/2012/main" name="Office Theme" id="{62F939B6-93AF-4DB8-9C6B-D6C7DFDC589F}" vid="{4A3C46E8-61CC-4603-A589-7422A47A8E4A}"/>
+      <thm15:themeFamily xmlns:thm15="http://schemas.microsoft.com/office/thememl/2012/main" name="Office 2013 - 2022 Theme" id="{62F939B6-93AF-4DB8-9C6B-D6C7DFDC589F}" vid="{4A3C46E8-61CC-4603-A589-7422A47A8E4A}"/>
     </a:ext>
   </a:extLst>
 </a:theme>
